--- a/micro-service/ms-design.pptx
+++ b/micro-service/ms-design.pptx
@@ -6,6 +6,9 @@
   </p:sldMasterIdLst>
   <p:sldIdLst>
     <p:sldId id="256" r:id="rId2"/>
+    <p:sldId id="257" r:id="rId3"/>
+    <p:sldId id="258" r:id="rId4"/>
+    <p:sldId id="259" r:id="rId5"/>
   </p:sldIdLst>
   <p:sldSz cx="12192000" cy="6858000"/>
   <p:notesSz cx="6858000" cy="9144000"/>
@@ -104,6 +107,11 @@
       </a:defRPr>
     </a:lvl9pPr>
   </p:defaultTextStyle>
+  <p:extLst>
+    <p:ext uri="{EFAFB233-063F-42B5-8137-9DF3F51BA10A}">
+      <p15:sldGuideLst xmlns:p15="http://schemas.microsoft.com/office/powerpoint/2012/main"/>
+    </p:ext>
+  </p:extLst>
 </p:presentation>
 </file>
 
@@ -238,7 +246,7 @@
           <a:p>
             <a:fld id="{9CB4C527-04B6-4EF3-8115-1080DBAFB2E9}" type="datetimeFigureOut">
               <a:rPr lang="en-US" smtClean="0"/>
-              <a:t>12/24/2019</a:t>
+              <a:t>12/27/2019</a:t>
             </a:fld>
             <a:endParaRPr lang="en-US"/>
           </a:p>
@@ -408,7 +416,7 @@
           <a:p>
             <a:fld id="{9CB4C527-04B6-4EF3-8115-1080DBAFB2E9}" type="datetimeFigureOut">
               <a:rPr lang="en-US" smtClean="0"/>
-              <a:t>12/24/2019</a:t>
+              <a:t>12/27/2019</a:t>
             </a:fld>
             <a:endParaRPr lang="en-US"/>
           </a:p>
@@ -588,7 +596,7 @@
           <a:p>
             <a:fld id="{9CB4C527-04B6-4EF3-8115-1080DBAFB2E9}" type="datetimeFigureOut">
               <a:rPr lang="en-US" smtClean="0"/>
-              <a:t>12/24/2019</a:t>
+              <a:t>12/27/2019</a:t>
             </a:fld>
             <a:endParaRPr lang="en-US"/>
           </a:p>
@@ -758,7 +766,7 @@
           <a:p>
             <a:fld id="{9CB4C527-04B6-4EF3-8115-1080DBAFB2E9}" type="datetimeFigureOut">
               <a:rPr lang="en-US" smtClean="0"/>
-              <a:t>12/24/2019</a:t>
+              <a:t>12/27/2019</a:t>
             </a:fld>
             <a:endParaRPr lang="en-US"/>
           </a:p>
@@ -1004,7 +1012,7 @@
           <a:p>
             <a:fld id="{9CB4C527-04B6-4EF3-8115-1080DBAFB2E9}" type="datetimeFigureOut">
               <a:rPr lang="en-US" smtClean="0"/>
-              <a:t>12/24/2019</a:t>
+              <a:t>12/27/2019</a:t>
             </a:fld>
             <a:endParaRPr lang="en-US"/>
           </a:p>
@@ -1236,7 +1244,7 @@
           <a:p>
             <a:fld id="{9CB4C527-04B6-4EF3-8115-1080DBAFB2E9}" type="datetimeFigureOut">
               <a:rPr lang="en-US" smtClean="0"/>
-              <a:t>12/24/2019</a:t>
+              <a:t>12/27/2019</a:t>
             </a:fld>
             <a:endParaRPr lang="en-US"/>
           </a:p>
@@ -1603,7 +1611,7 @@
           <a:p>
             <a:fld id="{9CB4C527-04B6-4EF3-8115-1080DBAFB2E9}" type="datetimeFigureOut">
               <a:rPr lang="en-US" smtClean="0"/>
-              <a:t>12/24/2019</a:t>
+              <a:t>12/27/2019</a:t>
             </a:fld>
             <a:endParaRPr lang="en-US"/>
           </a:p>
@@ -1721,7 +1729,7 @@
           <a:p>
             <a:fld id="{9CB4C527-04B6-4EF3-8115-1080DBAFB2E9}" type="datetimeFigureOut">
               <a:rPr lang="en-US" smtClean="0"/>
-              <a:t>12/24/2019</a:t>
+              <a:t>12/27/2019</a:t>
             </a:fld>
             <a:endParaRPr lang="en-US"/>
           </a:p>
@@ -1816,7 +1824,7 @@
           <a:p>
             <a:fld id="{9CB4C527-04B6-4EF3-8115-1080DBAFB2E9}" type="datetimeFigureOut">
               <a:rPr lang="en-US" smtClean="0"/>
-              <a:t>12/24/2019</a:t>
+              <a:t>12/27/2019</a:t>
             </a:fld>
             <a:endParaRPr lang="en-US"/>
           </a:p>
@@ -2093,7 +2101,7 @@
           <a:p>
             <a:fld id="{9CB4C527-04B6-4EF3-8115-1080DBAFB2E9}" type="datetimeFigureOut">
               <a:rPr lang="en-US" smtClean="0"/>
-              <a:t>12/24/2019</a:t>
+              <a:t>12/27/2019</a:t>
             </a:fld>
             <a:endParaRPr lang="en-US"/>
           </a:p>
@@ -2346,7 +2354,7 @@
           <a:p>
             <a:fld id="{9CB4C527-04B6-4EF3-8115-1080DBAFB2E9}" type="datetimeFigureOut">
               <a:rPr lang="en-US" smtClean="0"/>
-              <a:t>12/24/2019</a:t>
+              <a:t>12/27/2019</a:t>
             </a:fld>
             <a:endParaRPr lang="en-US"/>
           </a:p>
@@ -2559,7 +2567,7 @@
           <a:p>
             <a:fld id="{9CB4C527-04B6-4EF3-8115-1080DBAFB2E9}" type="datetimeFigureOut">
               <a:rPr lang="en-US" smtClean="0"/>
-              <a:t>12/24/2019</a:t>
+              <a:t>12/27/2019</a:t>
             </a:fld>
             <a:endParaRPr lang="en-US"/>
           </a:p>
@@ -3712,6 +3720,1546 @@
 </p:sld>
 </file>
 
+<file path=ppt/slides/slide2.xml><?xml version="1.0" encoding="utf-8"?>
+<p:sld xmlns:a="http://schemas.openxmlformats.org/drawingml/2006/main" xmlns:r="http://schemas.openxmlformats.org/officeDocument/2006/relationships" xmlns:p="http://schemas.openxmlformats.org/presentationml/2006/main">
+  <p:cSld>
+    <p:spTree>
+      <p:nvGrpSpPr>
+        <p:cNvPr id="1" name=""/>
+        <p:cNvGrpSpPr/>
+        <p:nvPr/>
+      </p:nvGrpSpPr>
+      <p:grpSpPr>
+        <a:xfrm>
+          <a:off x="0" y="0"/>
+          <a:ext cx="0" cy="0"/>
+          <a:chOff x="0" y="0"/>
+          <a:chExt cx="0" cy="0"/>
+        </a:xfrm>
+      </p:grpSpPr>
+      <p:sp>
+        <p:nvSpPr>
+          <p:cNvPr id="4" name="Rectangle 3"/>
+          <p:cNvSpPr/>
+          <p:nvPr/>
+        </p:nvSpPr>
+        <p:spPr>
+          <a:xfrm>
+            <a:off x="3948544" y="1108456"/>
+            <a:ext cx="3044537" cy="599982"/>
+          </a:xfrm>
+          <a:prstGeom prst="rect">
+            <a:avLst/>
+          </a:prstGeom>
+          <a:solidFill>
+            <a:schemeClr val="accent6">
+              <a:lumMod val="50000"/>
+            </a:schemeClr>
+          </a:solidFill>
+        </p:spPr>
+        <p:style>
+          <a:lnRef idx="2">
+            <a:schemeClr val="accent1">
+              <a:shade val="50000"/>
+            </a:schemeClr>
+          </a:lnRef>
+          <a:fillRef idx="1">
+            <a:schemeClr val="accent1"/>
+          </a:fillRef>
+          <a:effectRef idx="0">
+            <a:schemeClr val="accent1"/>
+          </a:effectRef>
+          <a:fontRef idx="minor">
+            <a:schemeClr val="lt1"/>
+          </a:fontRef>
+        </p:style>
+        <p:txBody>
+          <a:bodyPr rtlCol="0" anchor="ctr"/>
+          <a:lstStyle/>
+          <a:p>
+            <a:pPr algn="ctr"/>
+            <a:r>
+              <a:rPr lang="en-US" sz="1200" dirty="0" smtClean="0"/>
+              <a:t>Application</a:t>
+            </a:r>
+            <a:endParaRPr lang="en-US" sz="1200" dirty="0"/>
+          </a:p>
+        </p:txBody>
+      </p:sp>
+      <p:sp>
+        <p:nvSpPr>
+          <p:cNvPr id="5" name="Rectangle 4"/>
+          <p:cNvSpPr/>
+          <p:nvPr/>
+        </p:nvSpPr>
+        <p:spPr>
+          <a:xfrm>
+            <a:off x="4618758" y="1953491"/>
+            <a:ext cx="1413164" cy="633845"/>
+          </a:xfrm>
+          <a:prstGeom prst="rect">
+            <a:avLst/>
+          </a:prstGeom>
+          <a:solidFill>
+            <a:schemeClr val="accent1">
+              <a:lumMod val="75000"/>
+            </a:schemeClr>
+          </a:solidFill>
+        </p:spPr>
+        <p:style>
+          <a:lnRef idx="2">
+            <a:schemeClr val="accent1">
+              <a:shade val="50000"/>
+            </a:schemeClr>
+          </a:lnRef>
+          <a:fillRef idx="1">
+            <a:schemeClr val="accent1"/>
+          </a:fillRef>
+          <a:effectRef idx="0">
+            <a:schemeClr val="accent1"/>
+          </a:effectRef>
+          <a:fontRef idx="minor">
+            <a:schemeClr val="lt1"/>
+          </a:fontRef>
+        </p:style>
+        <p:txBody>
+          <a:bodyPr rtlCol="0" anchor="ctr"/>
+          <a:lstStyle/>
+          <a:p>
+            <a:pPr algn="ctr"/>
+            <a:r>
+              <a:rPr lang="en-US" sz="1600" dirty="0" smtClean="0"/>
+              <a:t>Event</a:t>
+            </a:r>
+          </a:p>
+          <a:p>
+            <a:pPr algn="ctr"/>
+            <a:r>
+              <a:rPr lang="en-US" sz="1600" dirty="0" smtClean="0"/>
+              <a:t>Queue</a:t>
+            </a:r>
+            <a:endParaRPr lang="en-US" sz="1600" dirty="0"/>
+          </a:p>
+        </p:txBody>
+      </p:sp>
+      <p:sp>
+        <p:nvSpPr>
+          <p:cNvPr id="6" name="Rectangle 5"/>
+          <p:cNvSpPr/>
+          <p:nvPr/>
+        </p:nvSpPr>
+        <p:spPr>
+          <a:xfrm>
+            <a:off x="4618758" y="4111337"/>
+            <a:ext cx="1413164" cy="633845"/>
+          </a:xfrm>
+          <a:prstGeom prst="rect">
+            <a:avLst/>
+          </a:prstGeom>
+          <a:solidFill>
+            <a:schemeClr val="accent1">
+              <a:lumMod val="75000"/>
+            </a:schemeClr>
+          </a:solidFill>
+        </p:spPr>
+        <p:style>
+          <a:lnRef idx="2">
+            <a:schemeClr val="accent1">
+              <a:shade val="50000"/>
+            </a:schemeClr>
+          </a:lnRef>
+          <a:fillRef idx="1">
+            <a:schemeClr val="accent1"/>
+          </a:fillRef>
+          <a:effectRef idx="0">
+            <a:schemeClr val="accent1"/>
+          </a:effectRef>
+          <a:fontRef idx="minor">
+            <a:schemeClr val="lt1"/>
+          </a:fontRef>
+        </p:style>
+        <p:txBody>
+          <a:bodyPr rtlCol="0" anchor="ctr"/>
+          <a:lstStyle/>
+          <a:p>
+            <a:pPr algn="ctr"/>
+            <a:r>
+              <a:rPr lang="en-US" sz="1600" dirty="0" smtClean="0"/>
+              <a:t>Event</a:t>
+            </a:r>
+          </a:p>
+          <a:p>
+            <a:pPr algn="ctr"/>
+            <a:r>
+              <a:rPr lang="en-US" sz="1600" dirty="0" smtClean="0"/>
+              <a:t>Storage</a:t>
+            </a:r>
+            <a:endParaRPr lang="en-US" sz="1600" dirty="0"/>
+          </a:p>
+        </p:txBody>
+      </p:sp>
+      <p:sp>
+        <p:nvSpPr>
+          <p:cNvPr id="7" name="Rectangle 6"/>
+          <p:cNvSpPr/>
+          <p:nvPr/>
+        </p:nvSpPr>
+        <p:spPr>
+          <a:xfrm>
+            <a:off x="4618758" y="2987385"/>
+            <a:ext cx="1413164" cy="633845"/>
+          </a:xfrm>
+          <a:prstGeom prst="rect">
+            <a:avLst/>
+          </a:prstGeom>
+          <a:solidFill>
+            <a:schemeClr val="accent1">
+              <a:lumMod val="75000"/>
+            </a:schemeClr>
+          </a:solidFill>
+        </p:spPr>
+        <p:style>
+          <a:lnRef idx="2">
+            <a:schemeClr val="accent1">
+              <a:shade val="50000"/>
+            </a:schemeClr>
+          </a:lnRef>
+          <a:fillRef idx="1">
+            <a:schemeClr val="accent1"/>
+          </a:fillRef>
+          <a:effectRef idx="0">
+            <a:schemeClr val="accent1"/>
+          </a:effectRef>
+          <a:fontRef idx="minor">
+            <a:schemeClr val="lt1"/>
+          </a:fontRef>
+        </p:style>
+        <p:txBody>
+          <a:bodyPr rtlCol="0" anchor="ctr"/>
+          <a:lstStyle/>
+          <a:p>
+            <a:pPr algn="ctr"/>
+            <a:r>
+              <a:rPr lang="en-US" sz="1600" dirty="0" smtClean="0"/>
+              <a:t>Event</a:t>
+            </a:r>
+          </a:p>
+          <a:p>
+            <a:pPr algn="ctr"/>
+            <a:r>
+              <a:rPr lang="en-US" sz="1600" dirty="0" smtClean="0"/>
+              <a:t>Handler</a:t>
+            </a:r>
+            <a:endParaRPr lang="en-US" sz="1600" dirty="0"/>
+          </a:p>
+        </p:txBody>
+      </p:sp>
+      <p:sp>
+        <p:nvSpPr>
+          <p:cNvPr id="9" name="Oval Callout 8"/>
+          <p:cNvSpPr/>
+          <p:nvPr/>
+        </p:nvSpPr>
+        <p:spPr>
+          <a:xfrm>
+            <a:off x="6577445" y="3719945"/>
+            <a:ext cx="1943100" cy="935182"/>
+          </a:xfrm>
+          <a:prstGeom prst="wedgeEllipseCallout">
+            <a:avLst/>
+          </a:prstGeom>
+        </p:spPr>
+        <p:style>
+          <a:lnRef idx="2">
+            <a:schemeClr val="accent3">
+              <a:shade val="50000"/>
+            </a:schemeClr>
+          </a:lnRef>
+          <a:fillRef idx="1">
+            <a:schemeClr val="accent3"/>
+          </a:fillRef>
+          <a:effectRef idx="0">
+            <a:schemeClr val="accent3"/>
+          </a:effectRef>
+          <a:fontRef idx="minor">
+            <a:schemeClr val="lt1"/>
+          </a:fontRef>
+        </p:style>
+        <p:txBody>
+          <a:bodyPr rtlCol="0" anchor="ctr"/>
+          <a:lstStyle/>
+          <a:p>
+            <a:pPr algn="ctr"/>
+            <a:r>
+              <a:rPr lang="en-US" sz="1400" dirty="0" smtClean="0"/>
+              <a:t>The events are stored in Event Store</a:t>
+            </a:r>
+            <a:endParaRPr lang="en-US" sz="1400" dirty="0"/>
+          </a:p>
+        </p:txBody>
+      </p:sp>
+    </p:spTree>
+    <p:extLst>
+      <p:ext uri="{BB962C8B-B14F-4D97-AF65-F5344CB8AC3E}">
+        <p14:creationId xmlns:p14="http://schemas.microsoft.com/office/powerpoint/2010/main" val="2897340180"/>
+      </p:ext>
+    </p:extLst>
+  </p:cSld>
+  <p:clrMapOvr>
+    <a:masterClrMapping/>
+  </p:clrMapOvr>
+</p:sld>
+</file>
+
+<file path=ppt/slides/slide3.xml><?xml version="1.0" encoding="utf-8"?>
+<p:sld xmlns:a="http://schemas.openxmlformats.org/drawingml/2006/main" xmlns:r="http://schemas.openxmlformats.org/officeDocument/2006/relationships" xmlns:p="http://schemas.openxmlformats.org/presentationml/2006/main">
+  <p:cSld>
+    <p:spTree>
+      <p:nvGrpSpPr>
+        <p:cNvPr id="1" name=""/>
+        <p:cNvGrpSpPr/>
+        <p:nvPr/>
+      </p:nvGrpSpPr>
+      <p:grpSpPr>
+        <a:xfrm>
+          <a:off x="0" y="0"/>
+          <a:ext cx="0" cy="0"/>
+          <a:chOff x="0" y="0"/>
+          <a:chExt cx="0" cy="0"/>
+        </a:xfrm>
+      </p:grpSpPr>
+      <p:sp>
+        <p:nvSpPr>
+          <p:cNvPr id="4" name="Rectangle 3"/>
+          <p:cNvSpPr/>
+          <p:nvPr/>
+        </p:nvSpPr>
+        <p:spPr>
+          <a:xfrm>
+            <a:off x="2639289" y="1326665"/>
+            <a:ext cx="2171701" cy="367053"/>
+          </a:xfrm>
+          <a:prstGeom prst="rect">
+            <a:avLst/>
+          </a:prstGeom>
+          <a:solidFill>
+            <a:schemeClr val="accent6">
+              <a:lumMod val="50000"/>
+            </a:schemeClr>
+          </a:solidFill>
+        </p:spPr>
+        <p:style>
+          <a:lnRef idx="2">
+            <a:schemeClr val="accent1">
+              <a:shade val="50000"/>
+            </a:schemeClr>
+          </a:lnRef>
+          <a:fillRef idx="1">
+            <a:schemeClr val="accent1"/>
+          </a:fillRef>
+          <a:effectRef idx="0">
+            <a:schemeClr val="accent1"/>
+          </a:effectRef>
+          <a:fontRef idx="minor">
+            <a:schemeClr val="lt1"/>
+          </a:fontRef>
+        </p:style>
+        <p:txBody>
+          <a:bodyPr rtlCol="0" anchor="ctr"/>
+          <a:lstStyle/>
+          <a:p>
+            <a:pPr algn="ctr"/>
+            <a:r>
+              <a:rPr lang="en-US" sz="1200" dirty="0" smtClean="0"/>
+              <a:t>Incident query end point</a:t>
+            </a:r>
+            <a:endParaRPr lang="en-US" sz="1200" dirty="0"/>
+          </a:p>
+        </p:txBody>
+      </p:sp>
+      <p:sp>
+        <p:nvSpPr>
+          <p:cNvPr id="5" name="Rectangle 4"/>
+          <p:cNvSpPr/>
+          <p:nvPr/>
+        </p:nvSpPr>
+        <p:spPr>
+          <a:xfrm>
+            <a:off x="5503716" y="1326664"/>
+            <a:ext cx="2171701" cy="367053"/>
+          </a:xfrm>
+          <a:prstGeom prst="rect">
+            <a:avLst/>
+          </a:prstGeom>
+          <a:solidFill>
+            <a:schemeClr val="accent6">
+              <a:lumMod val="50000"/>
+            </a:schemeClr>
+          </a:solidFill>
+        </p:spPr>
+        <p:style>
+          <a:lnRef idx="2">
+            <a:schemeClr val="accent1">
+              <a:shade val="50000"/>
+            </a:schemeClr>
+          </a:lnRef>
+          <a:fillRef idx="1">
+            <a:schemeClr val="accent1"/>
+          </a:fillRef>
+          <a:effectRef idx="0">
+            <a:schemeClr val="accent1"/>
+          </a:effectRef>
+          <a:fontRef idx="minor">
+            <a:schemeClr val="lt1"/>
+          </a:fontRef>
+        </p:style>
+        <p:txBody>
+          <a:bodyPr rtlCol="0" anchor="ctr"/>
+          <a:lstStyle/>
+          <a:p>
+            <a:pPr algn="ctr"/>
+            <a:r>
+              <a:rPr lang="en-US" sz="1200" dirty="0" smtClean="0"/>
+              <a:t>Incident command end point</a:t>
+            </a:r>
+            <a:endParaRPr lang="en-US" sz="1200" dirty="0"/>
+          </a:p>
+        </p:txBody>
+      </p:sp>
+      <p:sp>
+        <p:nvSpPr>
+          <p:cNvPr id="6" name="Rectangle 5"/>
+          <p:cNvSpPr/>
+          <p:nvPr/>
+        </p:nvSpPr>
+        <p:spPr>
+          <a:xfrm>
+            <a:off x="2639288" y="2029783"/>
+            <a:ext cx="2171701" cy="651072"/>
+          </a:xfrm>
+          <a:prstGeom prst="rect">
+            <a:avLst/>
+          </a:prstGeom>
+          <a:solidFill>
+            <a:schemeClr val="accent6">
+              <a:lumMod val="50000"/>
+            </a:schemeClr>
+          </a:solidFill>
+        </p:spPr>
+        <p:style>
+          <a:lnRef idx="2">
+            <a:schemeClr val="accent1">
+              <a:shade val="50000"/>
+            </a:schemeClr>
+          </a:lnRef>
+          <a:fillRef idx="1">
+            <a:schemeClr val="accent1"/>
+          </a:fillRef>
+          <a:effectRef idx="0">
+            <a:schemeClr val="accent1"/>
+          </a:effectRef>
+          <a:fontRef idx="minor">
+            <a:schemeClr val="lt1"/>
+          </a:fontRef>
+        </p:style>
+        <p:txBody>
+          <a:bodyPr rtlCol="0" anchor="ctr"/>
+          <a:lstStyle/>
+          <a:p>
+            <a:pPr algn="ctr"/>
+            <a:r>
+              <a:rPr lang="en-US" sz="1200" dirty="0" smtClean="0"/>
+              <a:t>Incident query service</a:t>
+            </a:r>
+            <a:endParaRPr lang="en-US" sz="1200" dirty="0"/>
+          </a:p>
+        </p:txBody>
+      </p:sp>
+      <p:sp>
+        <p:nvSpPr>
+          <p:cNvPr id="7" name="Rectangle 6"/>
+          <p:cNvSpPr/>
+          <p:nvPr/>
+        </p:nvSpPr>
+        <p:spPr>
+          <a:xfrm>
+            <a:off x="5503715" y="2029783"/>
+            <a:ext cx="2171701" cy="651072"/>
+          </a:xfrm>
+          <a:prstGeom prst="rect">
+            <a:avLst/>
+          </a:prstGeom>
+          <a:solidFill>
+            <a:schemeClr val="accent6">
+              <a:lumMod val="50000"/>
+            </a:schemeClr>
+          </a:solidFill>
+        </p:spPr>
+        <p:style>
+          <a:lnRef idx="2">
+            <a:schemeClr val="accent1">
+              <a:shade val="50000"/>
+            </a:schemeClr>
+          </a:lnRef>
+          <a:fillRef idx="1">
+            <a:schemeClr val="accent1"/>
+          </a:fillRef>
+          <a:effectRef idx="0">
+            <a:schemeClr val="accent1"/>
+          </a:effectRef>
+          <a:fontRef idx="minor">
+            <a:schemeClr val="lt1"/>
+          </a:fontRef>
+        </p:style>
+        <p:txBody>
+          <a:bodyPr rtlCol="0" anchor="ctr"/>
+          <a:lstStyle/>
+          <a:p>
+            <a:pPr algn="ctr"/>
+            <a:r>
+              <a:rPr lang="en-US" sz="1200" dirty="0" smtClean="0"/>
+              <a:t>Incident command service</a:t>
+            </a:r>
+            <a:endParaRPr lang="en-US" sz="1200" dirty="0"/>
+          </a:p>
+        </p:txBody>
+      </p:sp>
+      <p:sp>
+        <p:nvSpPr>
+          <p:cNvPr id="8" name="Rectangle 7"/>
+          <p:cNvSpPr/>
+          <p:nvPr/>
+        </p:nvSpPr>
+        <p:spPr>
+          <a:xfrm>
+            <a:off x="2639288" y="3041210"/>
+            <a:ext cx="2171701" cy="367053"/>
+          </a:xfrm>
+          <a:prstGeom prst="rect">
+            <a:avLst/>
+          </a:prstGeom>
+          <a:solidFill>
+            <a:schemeClr val="accent6">
+              <a:lumMod val="50000"/>
+            </a:schemeClr>
+          </a:solidFill>
+        </p:spPr>
+        <p:style>
+          <a:lnRef idx="2">
+            <a:schemeClr val="accent1">
+              <a:shade val="50000"/>
+            </a:schemeClr>
+          </a:lnRef>
+          <a:fillRef idx="1">
+            <a:schemeClr val="accent1"/>
+          </a:fillRef>
+          <a:effectRef idx="0">
+            <a:schemeClr val="accent1"/>
+          </a:effectRef>
+          <a:fontRef idx="minor">
+            <a:schemeClr val="lt1"/>
+          </a:fontRef>
+        </p:style>
+        <p:txBody>
+          <a:bodyPr rtlCol="0" anchor="ctr"/>
+          <a:lstStyle/>
+          <a:p>
+            <a:pPr algn="ctr"/>
+            <a:r>
+              <a:rPr lang="en-US" sz="1200" dirty="0" smtClean="0"/>
+              <a:t>Incident query DAO</a:t>
+            </a:r>
+            <a:endParaRPr lang="en-US" sz="1200" dirty="0"/>
+          </a:p>
+        </p:txBody>
+      </p:sp>
+      <p:sp>
+        <p:nvSpPr>
+          <p:cNvPr id="9" name="Rectangle 8"/>
+          <p:cNvSpPr/>
+          <p:nvPr/>
+        </p:nvSpPr>
+        <p:spPr>
+          <a:xfrm>
+            <a:off x="5503714" y="3041209"/>
+            <a:ext cx="2171701" cy="367053"/>
+          </a:xfrm>
+          <a:prstGeom prst="rect">
+            <a:avLst/>
+          </a:prstGeom>
+          <a:solidFill>
+            <a:schemeClr val="accent6">
+              <a:lumMod val="50000"/>
+            </a:schemeClr>
+          </a:solidFill>
+        </p:spPr>
+        <p:style>
+          <a:lnRef idx="2">
+            <a:schemeClr val="accent1">
+              <a:shade val="50000"/>
+            </a:schemeClr>
+          </a:lnRef>
+          <a:fillRef idx="1">
+            <a:schemeClr val="accent1"/>
+          </a:fillRef>
+          <a:effectRef idx="0">
+            <a:schemeClr val="accent1"/>
+          </a:effectRef>
+          <a:fontRef idx="minor">
+            <a:schemeClr val="lt1"/>
+          </a:fontRef>
+        </p:style>
+        <p:txBody>
+          <a:bodyPr rtlCol="0" anchor="ctr"/>
+          <a:lstStyle/>
+          <a:p>
+            <a:pPr algn="ctr"/>
+            <a:r>
+              <a:rPr lang="en-US" sz="1200" dirty="0" smtClean="0"/>
+              <a:t>Incident command DAO</a:t>
+            </a:r>
+            <a:endParaRPr lang="en-US" sz="1200" dirty="0"/>
+          </a:p>
+        </p:txBody>
+      </p:sp>
+      <p:cxnSp>
+        <p:nvCxnSpPr>
+          <p:cNvPr id="10" name="Straight Connector 9"/>
+          <p:cNvCxnSpPr/>
+          <p:nvPr/>
+        </p:nvCxnSpPr>
+        <p:spPr>
+          <a:xfrm>
+            <a:off x="2431473" y="3869388"/>
+            <a:ext cx="5569527" cy="41196"/>
+          </a:xfrm>
+          <a:prstGeom prst="line">
+            <a:avLst/>
+          </a:prstGeom>
+        </p:spPr>
+        <p:style>
+          <a:lnRef idx="3">
+            <a:schemeClr val="accent5"/>
+          </a:lnRef>
+          <a:fillRef idx="0">
+            <a:schemeClr val="accent5"/>
+          </a:fillRef>
+          <a:effectRef idx="2">
+            <a:schemeClr val="accent5"/>
+          </a:effectRef>
+          <a:fontRef idx="minor">
+            <a:schemeClr val="tx1"/>
+          </a:fontRef>
+        </p:style>
+      </p:cxnSp>
+      <p:cxnSp>
+        <p:nvCxnSpPr>
+          <p:cNvPr id="11" name="Straight Connector 10"/>
+          <p:cNvCxnSpPr/>
+          <p:nvPr/>
+        </p:nvCxnSpPr>
+        <p:spPr>
+          <a:xfrm>
+            <a:off x="2431473" y="4250388"/>
+            <a:ext cx="5569527" cy="11668"/>
+          </a:xfrm>
+          <a:prstGeom prst="line">
+            <a:avLst/>
+          </a:prstGeom>
+        </p:spPr>
+        <p:style>
+          <a:lnRef idx="3">
+            <a:schemeClr val="accent5"/>
+          </a:lnRef>
+          <a:fillRef idx="0">
+            <a:schemeClr val="accent5"/>
+          </a:fillRef>
+          <a:effectRef idx="2">
+            <a:schemeClr val="accent5"/>
+          </a:effectRef>
+          <a:fontRef idx="minor">
+            <a:schemeClr val="tx1"/>
+          </a:fontRef>
+        </p:style>
+      </p:cxnSp>
+      <p:sp>
+        <p:nvSpPr>
+          <p:cNvPr id="12" name="Can 11"/>
+          <p:cNvSpPr/>
+          <p:nvPr/>
+        </p:nvSpPr>
+        <p:spPr>
+          <a:xfrm>
+            <a:off x="4235618" y="4631249"/>
+            <a:ext cx="2078586" cy="519547"/>
+          </a:xfrm>
+          <a:prstGeom prst="can">
+            <a:avLst/>
+          </a:prstGeom>
+          <a:solidFill>
+            <a:schemeClr val="accent1">
+              <a:lumMod val="50000"/>
+            </a:schemeClr>
+          </a:solidFill>
+        </p:spPr>
+        <p:style>
+          <a:lnRef idx="2">
+            <a:schemeClr val="accent1">
+              <a:shade val="50000"/>
+            </a:schemeClr>
+          </a:lnRef>
+          <a:fillRef idx="1">
+            <a:schemeClr val="accent1"/>
+          </a:fillRef>
+          <a:effectRef idx="0">
+            <a:schemeClr val="accent1"/>
+          </a:effectRef>
+          <a:fontRef idx="minor">
+            <a:schemeClr val="lt1"/>
+          </a:fontRef>
+        </p:style>
+        <p:txBody>
+          <a:bodyPr rtlCol="0" anchor="ctr"/>
+          <a:lstStyle/>
+          <a:p>
+            <a:pPr algn="ctr"/>
+            <a:r>
+              <a:rPr lang="en-US" sz="1400" dirty="0" smtClean="0"/>
+              <a:t>DB RDBMS</a:t>
+            </a:r>
+            <a:endParaRPr lang="en-US" sz="1400" dirty="0"/>
+          </a:p>
+        </p:txBody>
+      </p:sp>
+      <p:sp>
+        <p:nvSpPr>
+          <p:cNvPr id="19" name="TextBox 18"/>
+          <p:cNvSpPr txBox="1"/>
+          <p:nvPr/>
+        </p:nvSpPr>
+        <p:spPr>
+          <a:xfrm>
+            <a:off x="4626258" y="3881056"/>
+            <a:ext cx="1016304" cy="369332"/>
+          </a:xfrm>
+          <a:prstGeom prst="rect">
+            <a:avLst/>
+          </a:prstGeom>
+          <a:noFill/>
+        </p:spPr>
+        <p:txBody>
+          <a:bodyPr wrap="none" rtlCol="0">
+            <a:spAutoFit/>
+          </a:bodyPr>
+          <a:lstStyle/>
+          <a:p>
+            <a:r>
+              <a:rPr lang="en-US" b="1" dirty="0" smtClean="0"/>
+              <a:t>Network</a:t>
+            </a:r>
+            <a:endParaRPr lang="en-US" b="1" dirty="0"/>
+          </a:p>
+        </p:txBody>
+      </p:sp>
+    </p:spTree>
+    <p:extLst>
+      <p:ext uri="{BB962C8B-B14F-4D97-AF65-F5344CB8AC3E}">
+        <p14:creationId xmlns:p14="http://schemas.microsoft.com/office/powerpoint/2010/main" val="1650429785"/>
+      </p:ext>
+    </p:extLst>
+  </p:cSld>
+  <p:clrMapOvr>
+    <a:masterClrMapping/>
+  </p:clrMapOvr>
+</p:sld>
+</file>
+
+<file path=ppt/slides/slide4.xml><?xml version="1.0" encoding="utf-8"?>
+<p:sld xmlns:a="http://schemas.openxmlformats.org/drawingml/2006/main" xmlns:r="http://schemas.openxmlformats.org/officeDocument/2006/relationships" xmlns:p="http://schemas.openxmlformats.org/presentationml/2006/main">
+  <p:cSld>
+    <p:spTree>
+      <p:nvGrpSpPr>
+        <p:cNvPr id="1" name=""/>
+        <p:cNvGrpSpPr/>
+        <p:nvPr/>
+      </p:nvGrpSpPr>
+      <p:grpSpPr>
+        <a:xfrm>
+          <a:off x="0" y="0"/>
+          <a:ext cx="0" cy="0"/>
+          <a:chOff x="0" y="0"/>
+          <a:chExt cx="0" cy="0"/>
+        </a:xfrm>
+      </p:grpSpPr>
+      <p:sp>
+        <p:nvSpPr>
+          <p:cNvPr id="4" name="Rectangle 3"/>
+          <p:cNvSpPr/>
+          <p:nvPr/>
+        </p:nvSpPr>
+        <p:spPr>
+          <a:xfrm>
+            <a:off x="2639289" y="1326665"/>
+            <a:ext cx="2171701" cy="367053"/>
+          </a:xfrm>
+          <a:prstGeom prst="rect">
+            <a:avLst/>
+          </a:prstGeom>
+          <a:solidFill>
+            <a:schemeClr val="accent6">
+              <a:lumMod val="50000"/>
+            </a:schemeClr>
+          </a:solidFill>
+        </p:spPr>
+        <p:style>
+          <a:lnRef idx="2">
+            <a:schemeClr val="accent1">
+              <a:shade val="50000"/>
+            </a:schemeClr>
+          </a:lnRef>
+          <a:fillRef idx="1">
+            <a:schemeClr val="accent1"/>
+          </a:fillRef>
+          <a:effectRef idx="0">
+            <a:schemeClr val="accent1"/>
+          </a:effectRef>
+          <a:fontRef idx="minor">
+            <a:schemeClr val="lt1"/>
+          </a:fontRef>
+        </p:style>
+        <p:txBody>
+          <a:bodyPr rtlCol="0" anchor="ctr"/>
+          <a:lstStyle/>
+          <a:p>
+            <a:pPr algn="ctr"/>
+            <a:r>
+              <a:rPr lang="en-US" sz="1200" dirty="0" smtClean="0"/>
+              <a:t>Incident query end point</a:t>
+            </a:r>
+            <a:endParaRPr lang="en-US" sz="1200" dirty="0"/>
+          </a:p>
+        </p:txBody>
+      </p:sp>
+      <p:sp>
+        <p:nvSpPr>
+          <p:cNvPr id="5" name="Rectangle 4"/>
+          <p:cNvSpPr/>
+          <p:nvPr/>
+        </p:nvSpPr>
+        <p:spPr>
+          <a:xfrm>
+            <a:off x="5503716" y="1326664"/>
+            <a:ext cx="2171701" cy="367053"/>
+          </a:xfrm>
+          <a:prstGeom prst="rect">
+            <a:avLst/>
+          </a:prstGeom>
+          <a:solidFill>
+            <a:schemeClr val="accent6">
+              <a:lumMod val="50000"/>
+            </a:schemeClr>
+          </a:solidFill>
+        </p:spPr>
+        <p:style>
+          <a:lnRef idx="2">
+            <a:schemeClr val="accent1">
+              <a:shade val="50000"/>
+            </a:schemeClr>
+          </a:lnRef>
+          <a:fillRef idx="1">
+            <a:schemeClr val="accent1"/>
+          </a:fillRef>
+          <a:effectRef idx="0">
+            <a:schemeClr val="accent1"/>
+          </a:effectRef>
+          <a:fontRef idx="minor">
+            <a:schemeClr val="lt1"/>
+          </a:fontRef>
+        </p:style>
+        <p:txBody>
+          <a:bodyPr rtlCol="0" anchor="ctr"/>
+          <a:lstStyle/>
+          <a:p>
+            <a:pPr algn="ctr"/>
+            <a:r>
+              <a:rPr lang="en-US" sz="1200" dirty="0" smtClean="0"/>
+              <a:t>Incident command end point</a:t>
+            </a:r>
+            <a:endParaRPr lang="en-US" sz="1200" dirty="0"/>
+          </a:p>
+        </p:txBody>
+      </p:sp>
+      <p:sp>
+        <p:nvSpPr>
+          <p:cNvPr id="6" name="Rectangle 5"/>
+          <p:cNvSpPr/>
+          <p:nvPr/>
+        </p:nvSpPr>
+        <p:spPr>
+          <a:xfrm>
+            <a:off x="2639288" y="2029783"/>
+            <a:ext cx="2171701" cy="651072"/>
+          </a:xfrm>
+          <a:prstGeom prst="rect">
+            <a:avLst/>
+          </a:prstGeom>
+          <a:solidFill>
+            <a:schemeClr val="accent6">
+              <a:lumMod val="50000"/>
+            </a:schemeClr>
+          </a:solidFill>
+        </p:spPr>
+        <p:style>
+          <a:lnRef idx="2">
+            <a:schemeClr val="accent1">
+              <a:shade val="50000"/>
+            </a:schemeClr>
+          </a:lnRef>
+          <a:fillRef idx="1">
+            <a:schemeClr val="accent1"/>
+          </a:fillRef>
+          <a:effectRef idx="0">
+            <a:schemeClr val="accent1"/>
+          </a:effectRef>
+          <a:fontRef idx="minor">
+            <a:schemeClr val="lt1"/>
+          </a:fontRef>
+        </p:style>
+        <p:txBody>
+          <a:bodyPr rtlCol="0" anchor="ctr"/>
+          <a:lstStyle/>
+          <a:p>
+            <a:pPr algn="ctr"/>
+            <a:r>
+              <a:rPr lang="en-US" sz="1200" dirty="0" smtClean="0"/>
+              <a:t>Incident query service</a:t>
+            </a:r>
+            <a:endParaRPr lang="en-US" sz="1200" dirty="0"/>
+          </a:p>
+        </p:txBody>
+      </p:sp>
+      <p:sp>
+        <p:nvSpPr>
+          <p:cNvPr id="7" name="Rectangle 6"/>
+          <p:cNvSpPr/>
+          <p:nvPr/>
+        </p:nvSpPr>
+        <p:spPr>
+          <a:xfrm>
+            <a:off x="5503715" y="2029783"/>
+            <a:ext cx="2171701" cy="651072"/>
+          </a:xfrm>
+          <a:prstGeom prst="rect">
+            <a:avLst/>
+          </a:prstGeom>
+          <a:solidFill>
+            <a:schemeClr val="accent6">
+              <a:lumMod val="50000"/>
+            </a:schemeClr>
+          </a:solidFill>
+        </p:spPr>
+        <p:style>
+          <a:lnRef idx="2">
+            <a:schemeClr val="accent1">
+              <a:shade val="50000"/>
+            </a:schemeClr>
+          </a:lnRef>
+          <a:fillRef idx="1">
+            <a:schemeClr val="accent1"/>
+          </a:fillRef>
+          <a:effectRef idx="0">
+            <a:schemeClr val="accent1"/>
+          </a:effectRef>
+          <a:fontRef idx="minor">
+            <a:schemeClr val="lt1"/>
+          </a:fontRef>
+        </p:style>
+        <p:txBody>
+          <a:bodyPr rtlCol="0" anchor="ctr"/>
+          <a:lstStyle/>
+          <a:p>
+            <a:pPr algn="ctr"/>
+            <a:r>
+              <a:rPr lang="en-US" sz="1200" dirty="0" smtClean="0"/>
+              <a:t>Incident command service</a:t>
+            </a:r>
+            <a:endParaRPr lang="en-US" sz="1200" dirty="0"/>
+          </a:p>
+        </p:txBody>
+      </p:sp>
+      <p:sp>
+        <p:nvSpPr>
+          <p:cNvPr id="8" name="Rectangle 7"/>
+          <p:cNvSpPr/>
+          <p:nvPr/>
+        </p:nvSpPr>
+        <p:spPr>
+          <a:xfrm>
+            <a:off x="2639288" y="3041210"/>
+            <a:ext cx="2171701" cy="367053"/>
+          </a:xfrm>
+          <a:prstGeom prst="rect">
+            <a:avLst/>
+          </a:prstGeom>
+          <a:solidFill>
+            <a:schemeClr val="accent6">
+              <a:lumMod val="50000"/>
+            </a:schemeClr>
+          </a:solidFill>
+        </p:spPr>
+        <p:style>
+          <a:lnRef idx="2">
+            <a:schemeClr val="accent1">
+              <a:shade val="50000"/>
+            </a:schemeClr>
+          </a:lnRef>
+          <a:fillRef idx="1">
+            <a:schemeClr val="accent1"/>
+          </a:fillRef>
+          <a:effectRef idx="0">
+            <a:schemeClr val="accent1"/>
+          </a:effectRef>
+          <a:fontRef idx="minor">
+            <a:schemeClr val="lt1"/>
+          </a:fontRef>
+        </p:style>
+        <p:txBody>
+          <a:bodyPr rtlCol="0" anchor="ctr"/>
+          <a:lstStyle/>
+          <a:p>
+            <a:pPr algn="ctr"/>
+            <a:r>
+              <a:rPr lang="en-US" sz="1200" dirty="0" smtClean="0"/>
+              <a:t>Incident query DAO</a:t>
+            </a:r>
+            <a:endParaRPr lang="en-US" sz="1200" dirty="0"/>
+          </a:p>
+        </p:txBody>
+      </p:sp>
+      <p:sp>
+        <p:nvSpPr>
+          <p:cNvPr id="9" name="Rectangle 8"/>
+          <p:cNvSpPr/>
+          <p:nvPr/>
+        </p:nvSpPr>
+        <p:spPr>
+          <a:xfrm>
+            <a:off x="5503714" y="3041209"/>
+            <a:ext cx="2171701" cy="367053"/>
+          </a:xfrm>
+          <a:prstGeom prst="rect">
+            <a:avLst/>
+          </a:prstGeom>
+          <a:solidFill>
+            <a:schemeClr val="accent6">
+              <a:lumMod val="50000"/>
+            </a:schemeClr>
+          </a:solidFill>
+        </p:spPr>
+        <p:style>
+          <a:lnRef idx="2">
+            <a:schemeClr val="accent1">
+              <a:shade val="50000"/>
+            </a:schemeClr>
+          </a:lnRef>
+          <a:fillRef idx="1">
+            <a:schemeClr val="accent1"/>
+          </a:fillRef>
+          <a:effectRef idx="0">
+            <a:schemeClr val="accent1"/>
+          </a:effectRef>
+          <a:fontRef idx="minor">
+            <a:schemeClr val="lt1"/>
+          </a:fontRef>
+        </p:style>
+        <p:txBody>
+          <a:bodyPr rtlCol="0" anchor="ctr"/>
+          <a:lstStyle/>
+          <a:p>
+            <a:pPr algn="ctr"/>
+            <a:r>
+              <a:rPr lang="en-US" sz="1200" dirty="0" smtClean="0"/>
+              <a:t>Incident command DAO</a:t>
+            </a:r>
+            <a:endParaRPr lang="en-US" sz="1200" dirty="0"/>
+          </a:p>
+        </p:txBody>
+      </p:sp>
+      <p:sp>
+        <p:nvSpPr>
+          <p:cNvPr id="12" name="Can 11"/>
+          <p:cNvSpPr/>
+          <p:nvPr/>
+        </p:nvSpPr>
+        <p:spPr>
+          <a:xfrm>
+            <a:off x="2732402" y="4870243"/>
+            <a:ext cx="2452661" cy="519547"/>
+          </a:xfrm>
+          <a:prstGeom prst="can">
+            <a:avLst/>
+          </a:prstGeom>
+          <a:solidFill>
+            <a:schemeClr val="accent1">
+              <a:lumMod val="50000"/>
+            </a:schemeClr>
+          </a:solidFill>
+        </p:spPr>
+        <p:style>
+          <a:lnRef idx="2">
+            <a:schemeClr val="accent1">
+              <a:shade val="50000"/>
+            </a:schemeClr>
+          </a:lnRef>
+          <a:fillRef idx="1">
+            <a:schemeClr val="accent1"/>
+          </a:fillRef>
+          <a:effectRef idx="0">
+            <a:schemeClr val="accent1"/>
+          </a:effectRef>
+          <a:fontRef idx="minor">
+            <a:schemeClr val="lt1"/>
+          </a:fontRef>
+        </p:style>
+        <p:txBody>
+          <a:bodyPr rtlCol="0" anchor="ctr"/>
+          <a:lstStyle/>
+          <a:p>
+            <a:pPr algn="ctr"/>
+            <a:r>
+              <a:rPr lang="en-US" sz="1400" dirty="0" smtClean="0"/>
+              <a:t>Read store</a:t>
+            </a:r>
+            <a:endParaRPr lang="en-US" sz="1400" dirty="0"/>
+          </a:p>
+        </p:txBody>
+      </p:sp>
+      <p:sp>
+        <p:nvSpPr>
+          <p:cNvPr id="14" name="Can 13"/>
+          <p:cNvSpPr/>
+          <p:nvPr/>
+        </p:nvSpPr>
+        <p:spPr>
+          <a:xfrm>
+            <a:off x="5541208" y="4815193"/>
+            <a:ext cx="2290072" cy="519547"/>
+          </a:xfrm>
+          <a:prstGeom prst="can">
+            <a:avLst/>
+          </a:prstGeom>
+          <a:solidFill>
+            <a:schemeClr val="accent1">
+              <a:lumMod val="50000"/>
+            </a:schemeClr>
+          </a:solidFill>
+        </p:spPr>
+        <p:style>
+          <a:lnRef idx="2">
+            <a:schemeClr val="accent1">
+              <a:shade val="50000"/>
+            </a:schemeClr>
+          </a:lnRef>
+          <a:fillRef idx="1">
+            <a:schemeClr val="accent1"/>
+          </a:fillRef>
+          <a:effectRef idx="0">
+            <a:schemeClr val="accent1"/>
+          </a:effectRef>
+          <a:fontRef idx="minor">
+            <a:schemeClr val="lt1"/>
+          </a:fontRef>
+        </p:style>
+        <p:txBody>
+          <a:bodyPr rtlCol="0" anchor="ctr"/>
+          <a:lstStyle/>
+          <a:p>
+            <a:pPr algn="ctr"/>
+            <a:r>
+              <a:rPr lang="en-US" sz="1400" smtClean="0"/>
+              <a:t>Event store</a:t>
+            </a:r>
+            <a:endParaRPr lang="en-US" sz="1400" dirty="0"/>
+          </a:p>
+        </p:txBody>
+      </p:sp>
+      <p:sp>
+        <p:nvSpPr>
+          <p:cNvPr id="15" name="Rectangle 14"/>
+          <p:cNvSpPr/>
+          <p:nvPr/>
+        </p:nvSpPr>
+        <p:spPr>
+          <a:xfrm>
+            <a:off x="6544135" y="3850918"/>
+            <a:ext cx="1250779" cy="384463"/>
+          </a:xfrm>
+          <a:prstGeom prst="rect">
+            <a:avLst/>
+          </a:prstGeom>
+          <a:solidFill>
+            <a:srgbClr val="00B050"/>
+          </a:solidFill>
+        </p:spPr>
+        <p:style>
+          <a:lnRef idx="2">
+            <a:schemeClr val="accent1">
+              <a:shade val="50000"/>
+            </a:schemeClr>
+          </a:lnRef>
+          <a:fillRef idx="1">
+            <a:schemeClr val="accent1"/>
+          </a:fillRef>
+          <a:effectRef idx="0">
+            <a:schemeClr val="accent1"/>
+          </a:effectRef>
+          <a:fontRef idx="minor">
+            <a:schemeClr val="lt1"/>
+          </a:fontRef>
+        </p:style>
+        <p:txBody>
+          <a:bodyPr rtlCol="0" anchor="ctr"/>
+          <a:lstStyle/>
+          <a:p>
+            <a:pPr algn="ctr"/>
+            <a:endParaRPr lang="en-US"/>
+          </a:p>
+        </p:txBody>
+      </p:sp>
+      <p:sp>
+        <p:nvSpPr>
+          <p:cNvPr id="16" name="Rectangle 15"/>
+          <p:cNvSpPr/>
+          <p:nvPr/>
+        </p:nvSpPr>
+        <p:spPr>
+          <a:xfrm>
+            <a:off x="6636120" y="3948592"/>
+            <a:ext cx="1250779" cy="384463"/>
+          </a:xfrm>
+          <a:prstGeom prst="rect">
+            <a:avLst/>
+          </a:prstGeom>
+          <a:solidFill>
+            <a:srgbClr val="00B050"/>
+          </a:solidFill>
+        </p:spPr>
+        <p:style>
+          <a:lnRef idx="2">
+            <a:schemeClr val="accent1">
+              <a:shade val="50000"/>
+            </a:schemeClr>
+          </a:lnRef>
+          <a:fillRef idx="1">
+            <a:schemeClr val="accent1"/>
+          </a:fillRef>
+          <a:effectRef idx="0">
+            <a:schemeClr val="accent1"/>
+          </a:effectRef>
+          <a:fontRef idx="minor">
+            <a:schemeClr val="lt1"/>
+          </a:fontRef>
+        </p:style>
+        <p:txBody>
+          <a:bodyPr rtlCol="0" anchor="ctr"/>
+          <a:lstStyle/>
+          <a:p>
+            <a:pPr algn="ctr"/>
+            <a:endParaRPr lang="en-US"/>
+          </a:p>
+        </p:txBody>
+      </p:sp>
+      <p:sp>
+        <p:nvSpPr>
+          <p:cNvPr id="17" name="Rectangle 16"/>
+          <p:cNvSpPr/>
+          <p:nvPr/>
+        </p:nvSpPr>
+        <p:spPr>
+          <a:xfrm>
+            <a:off x="6725776" y="4072245"/>
+            <a:ext cx="1250779" cy="384463"/>
+          </a:xfrm>
+          <a:prstGeom prst="rect">
+            <a:avLst/>
+          </a:prstGeom>
+          <a:solidFill>
+            <a:srgbClr val="00B050"/>
+          </a:solidFill>
+        </p:spPr>
+        <p:style>
+          <a:lnRef idx="2">
+            <a:schemeClr val="accent1">
+              <a:shade val="50000"/>
+            </a:schemeClr>
+          </a:lnRef>
+          <a:fillRef idx="1">
+            <a:schemeClr val="accent1"/>
+          </a:fillRef>
+          <a:effectRef idx="0">
+            <a:schemeClr val="accent1"/>
+          </a:effectRef>
+          <a:fontRef idx="minor">
+            <a:schemeClr val="lt1"/>
+          </a:fontRef>
+        </p:style>
+        <p:txBody>
+          <a:bodyPr rtlCol="0" anchor="ctr"/>
+          <a:lstStyle/>
+          <a:p>
+            <a:pPr algn="ctr"/>
+            <a:r>
+              <a:rPr lang="en-US" sz="1400" b="1" dirty="0" smtClean="0"/>
+              <a:t>Events</a:t>
+            </a:r>
+            <a:endParaRPr lang="en-US" sz="1400" b="1" dirty="0"/>
+          </a:p>
+        </p:txBody>
+      </p:sp>
+      <p:cxnSp>
+        <p:nvCxnSpPr>
+          <p:cNvPr id="19" name="Straight Arrow Connector 18"/>
+          <p:cNvCxnSpPr>
+            <a:stCxn id="9" idx="2"/>
+          </p:cNvCxnSpPr>
+          <p:nvPr/>
+        </p:nvCxnSpPr>
+        <p:spPr>
+          <a:xfrm flipH="1">
+            <a:off x="6589564" y="3408262"/>
+            <a:ext cx="1" cy="1406931"/>
+          </a:xfrm>
+          <a:prstGeom prst="straightConnector1">
+            <a:avLst/>
+          </a:prstGeom>
+          <a:ln w="28575">
+            <a:solidFill>
+              <a:schemeClr val="accent5">
+                <a:lumMod val="50000"/>
+              </a:schemeClr>
+            </a:solidFill>
+            <a:tailEnd type="triangle"/>
+          </a:ln>
+        </p:spPr>
+        <p:style>
+          <a:lnRef idx="1">
+            <a:schemeClr val="accent1"/>
+          </a:lnRef>
+          <a:fillRef idx="0">
+            <a:schemeClr val="accent1"/>
+          </a:fillRef>
+          <a:effectRef idx="0">
+            <a:schemeClr val="accent1"/>
+          </a:effectRef>
+          <a:fontRef idx="minor">
+            <a:schemeClr val="tx1"/>
+          </a:fontRef>
+        </p:style>
+      </p:cxnSp>
+      <p:cxnSp>
+        <p:nvCxnSpPr>
+          <p:cNvPr id="20" name="Straight Arrow Connector 19"/>
+          <p:cNvCxnSpPr/>
+          <p:nvPr/>
+        </p:nvCxnSpPr>
+        <p:spPr>
+          <a:xfrm flipH="1">
+            <a:off x="2928500" y="3463312"/>
+            <a:ext cx="1" cy="1406931"/>
+          </a:xfrm>
+          <a:prstGeom prst="straightConnector1">
+            <a:avLst/>
+          </a:prstGeom>
+          <a:ln w="28575">
+            <a:solidFill>
+              <a:schemeClr val="accent5">
+                <a:lumMod val="50000"/>
+              </a:schemeClr>
+            </a:solidFill>
+            <a:tailEnd type="triangle"/>
+          </a:ln>
+        </p:spPr>
+        <p:style>
+          <a:lnRef idx="1">
+            <a:schemeClr val="accent1"/>
+          </a:lnRef>
+          <a:fillRef idx="0">
+            <a:schemeClr val="accent1"/>
+          </a:fillRef>
+          <a:effectRef idx="0">
+            <a:schemeClr val="accent1"/>
+          </a:effectRef>
+          <a:fontRef idx="minor">
+            <a:schemeClr val="tx1"/>
+          </a:fontRef>
+        </p:style>
+      </p:cxnSp>
+      <p:sp>
+        <p:nvSpPr>
+          <p:cNvPr id="21" name="TextBox 20"/>
+          <p:cNvSpPr txBox="1"/>
+          <p:nvPr/>
+        </p:nvSpPr>
+        <p:spPr>
+          <a:xfrm>
+            <a:off x="2915502" y="3666252"/>
+            <a:ext cx="709233" cy="369332"/>
+          </a:xfrm>
+          <a:prstGeom prst="rect">
+            <a:avLst/>
+          </a:prstGeom>
+          <a:noFill/>
+        </p:spPr>
+        <p:txBody>
+          <a:bodyPr wrap="none" rtlCol="0">
+            <a:spAutoFit/>
+          </a:bodyPr>
+          <a:lstStyle/>
+          <a:p>
+            <a:r>
+              <a:rPr lang="en-US" b="1" dirty="0" smtClean="0"/>
+              <a:t>READ</a:t>
+            </a:r>
+            <a:endParaRPr lang="en-US" b="1" dirty="0"/>
+          </a:p>
+        </p:txBody>
+      </p:sp>
+      <p:sp>
+        <p:nvSpPr>
+          <p:cNvPr id="22" name="Rectangle 21"/>
+          <p:cNvSpPr/>
+          <p:nvPr/>
+        </p:nvSpPr>
+        <p:spPr>
+          <a:xfrm>
+            <a:off x="4014351" y="4009401"/>
+            <a:ext cx="1981204" cy="451959"/>
+          </a:xfrm>
+          <a:prstGeom prst="rect">
+            <a:avLst/>
+          </a:prstGeom>
+          <a:solidFill>
+            <a:srgbClr val="00B050"/>
+          </a:solidFill>
+        </p:spPr>
+        <p:style>
+          <a:lnRef idx="2">
+            <a:schemeClr val="accent1">
+              <a:shade val="50000"/>
+            </a:schemeClr>
+          </a:lnRef>
+          <a:fillRef idx="1">
+            <a:schemeClr val="accent1"/>
+          </a:fillRef>
+          <a:effectRef idx="0">
+            <a:schemeClr val="accent1"/>
+          </a:effectRef>
+          <a:fontRef idx="minor">
+            <a:schemeClr val="lt1"/>
+          </a:fontRef>
+        </p:style>
+        <p:txBody>
+          <a:bodyPr rtlCol="0" anchor="ctr"/>
+          <a:lstStyle/>
+          <a:p>
+            <a:pPr algn="ctr"/>
+            <a:r>
+              <a:rPr lang="en-US" sz="1400" b="1" dirty="0" smtClean="0"/>
+              <a:t>Event Handler</a:t>
+            </a:r>
+            <a:endParaRPr lang="en-US" sz="1400" b="1" dirty="0"/>
+          </a:p>
+        </p:txBody>
+      </p:sp>
+      <p:cxnSp>
+        <p:nvCxnSpPr>
+          <p:cNvPr id="23" name="Straight Arrow Connector 22"/>
+          <p:cNvCxnSpPr/>
+          <p:nvPr/>
+        </p:nvCxnSpPr>
+        <p:spPr>
+          <a:xfrm>
+            <a:off x="4668932" y="4491775"/>
+            <a:ext cx="1" cy="347295"/>
+          </a:xfrm>
+          <a:prstGeom prst="straightConnector1">
+            <a:avLst/>
+          </a:prstGeom>
+          <a:ln w="28575">
+            <a:solidFill>
+              <a:schemeClr val="accent5">
+                <a:lumMod val="50000"/>
+              </a:schemeClr>
+            </a:solidFill>
+            <a:tailEnd type="triangle"/>
+          </a:ln>
+        </p:spPr>
+        <p:style>
+          <a:lnRef idx="1">
+            <a:schemeClr val="accent1"/>
+          </a:lnRef>
+          <a:fillRef idx="0">
+            <a:schemeClr val="accent1"/>
+          </a:fillRef>
+          <a:effectRef idx="0">
+            <a:schemeClr val="accent1"/>
+          </a:effectRef>
+          <a:fontRef idx="minor">
+            <a:schemeClr val="tx1"/>
+          </a:fontRef>
+        </p:style>
+      </p:cxnSp>
+      <p:cxnSp>
+        <p:nvCxnSpPr>
+          <p:cNvPr id="25" name="Straight Arrow Connector 24"/>
+          <p:cNvCxnSpPr/>
+          <p:nvPr/>
+        </p:nvCxnSpPr>
+        <p:spPr>
+          <a:xfrm flipV="1">
+            <a:off x="5754782" y="4479790"/>
+            <a:ext cx="0" cy="319593"/>
+          </a:xfrm>
+          <a:prstGeom prst="straightConnector1">
+            <a:avLst/>
+          </a:prstGeom>
+          <a:ln w="28575">
+            <a:solidFill>
+              <a:schemeClr val="accent5">
+                <a:lumMod val="50000"/>
+              </a:schemeClr>
+            </a:solidFill>
+            <a:tailEnd type="triangle"/>
+          </a:ln>
+        </p:spPr>
+        <p:style>
+          <a:lnRef idx="1">
+            <a:schemeClr val="accent1"/>
+          </a:lnRef>
+          <a:fillRef idx="0">
+            <a:schemeClr val="accent1"/>
+          </a:fillRef>
+          <a:effectRef idx="0">
+            <a:schemeClr val="accent1"/>
+          </a:effectRef>
+          <a:fontRef idx="minor">
+            <a:schemeClr val="tx1"/>
+          </a:fontRef>
+        </p:style>
+      </p:cxnSp>
+    </p:spTree>
+    <p:extLst>
+      <p:ext uri="{BB962C8B-B14F-4D97-AF65-F5344CB8AC3E}">
+        <p14:creationId xmlns:p14="http://schemas.microsoft.com/office/powerpoint/2010/main" val="1836723204"/>
+      </p:ext>
+    </p:extLst>
+  </p:cSld>
+  <p:clrMapOvr>
+    <a:masterClrMapping/>
+  </p:clrMapOvr>
+</p:sld>
+</file>
+
 <file path=ppt/theme/theme1.xml><?xml version="1.0" encoding="utf-8"?>
 <a:theme xmlns:a="http://schemas.openxmlformats.org/drawingml/2006/main" name="Office Theme">
   <a:themeElements>

--- a/micro-service/ms-design.pptx
+++ b/micro-service/ms-design.pptx
@@ -9,6 +9,8 @@
     <p:sldId id="257" r:id="rId3"/>
     <p:sldId id="258" r:id="rId4"/>
     <p:sldId id="259" r:id="rId5"/>
+    <p:sldId id="260" r:id="rId6"/>
+    <p:sldId id="261" r:id="rId7"/>
   </p:sldIdLst>
   <p:sldSz cx="12192000" cy="6858000"/>
   <p:notesSz cx="6858000" cy="9144000"/>
@@ -246,7 +248,7 @@
           <a:p>
             <a:fld id="{9CB4C527-04B6-4EF3-8115-1080DBAFB2E9}" type="datetimeFigureOut">
               <a:rPr lang="en-US" smtClean="0"/>
-              <a:t>12/27/2019</a:t>
+              <a:t>1/2/2020</a:t>
             </a:fld>
             <a:endParaRPr lang="en-US"/>
           </a:p>
@@ -416,7 +418,7 @@
           <a:p>
             <a:fld id="{9CB4C527-04B6-4EF3-8115-1080DBAFB2E9}" type="datetimeFigureOut">
               <a:rPr lang="en-US" smtClean="0"/>
-              <a:t>12/27/2019</a:t>
+              <a:t>1/2/2020</a:t>
             </a:fld>
             <a:endParaRPr lang="en-US"/>
           </a:p>
@@ -596,7 +598,7 @@
           <a:p>
             <a:fld id="{9CB4C527-04B6-4EF3-8115-1080DBAFB2E9}" type="datetimeFigureOut">
               <a:rPr lang="en-US" smtClean="0"/>
-              <a:t>12/27/2019</a:t>
+              <a:t>1/2/2020</a:t>
             </a:fld>
             <a:endParaRPr lang="en-US"/>
           </a:p>
@@ -766,7 +768,7 @@
           <a:p>
             <a:fld id="{9CB4C527-04B6-4EF3-8115-1080DBAFB2E9}" type="datetimeFigureOut">
               <a:rPr lang="en-US" smtClean="0"/>
-              <a:t>12/27/2019</a:t>
+              <a:t>1/2/2020</a:t>
             </a:fld>
             <a:endParaRPr lang="en-US"/>
           </a:p>
@@ -1012,7 +1014,7 @@
           <a:p>
             <a:fld id="{9CB4C527-04B6-4EF3-8115-1080DBAFB2E9}" type="datetimeFigureOut">
               <a:rPr lang="en-US" smtClean="0"/>
-              <a:t>12/27/2019</a:t>
+              <a:t>1/2/2020</a:t>
             </a:fld>
             <a:endParaRPr lang="en-US"/>
           </a:p>
@@ -1244,7 +1246,7 @@
           <a:p>
             <a:fld id="{9CB4C527-04B6-4EF3-8115-1080DBAFB2E9}" type="datetimeFigureOut">
               <a:rPr lang="en-US" smtClean="0"/>
-              <a:t>12/27/2019</a:t>
+              <a:t>1/2/2020</a:t>
             </a:fld>
             <a:endParaRPr lang="en-US"/>
           </a:p>
@@ -1611,7 +1613,7 @@
           <a:p>
             <a:fld id="{9CB4C527-04B6-4EF3-8115-1080DBAFB2E9}" type="datetimeFigureOut">
               <a:rPr lang="en-US" smtClean="0"/>
-              <a:t>12/27/2019</a:t>
+              <a:t>1/2/2020</a:t>
             </a:fld>
             <a:endParaRPr lang="en-US"/>
           </a:p>
@@ -1729,7 +1731,7 @@
           <a:p>
             <a:fld id="{9CB4C527-04B6-4EF3-8115-1080DBAFB2E9}" type="datetimeFigureOut">
               <a:rPr lang="en-US" smtClean="0"/>
-              <a:t>12/27/2019</a:t>
+              <a:t>1/2/2020</a:t>
             </a:fld>
             <a:endParaRPr lang="en-US"/>
           </a:p>
@@ -1824,7 +1826,7 @@
           <a:p>
             <a:fld id="{9CB4C527-04B6-4EF3-8115-1080DBAFB2E9}" type="datetimeFigureOut">
               <a:rPr lang="en-US" smtClean="0"/>
-              <a:t>12/27/2019</a:t>
+              <a:t>1/2/2020</a:t>
             </a:fld>
             <a:endParaRPr lang="en-US"/>
           </a:p>
@@ -2101,7 +2103,7 @@
           <a:p>
             <a:fld id="{9CB4C527-04B6-4EF3-8115-1080DBAFB2E9}" type="datetimeFigureOut">
               <a:rPr lang="en-US" smtClean="0"/>
-              <a:t>12/27/2019</a:t>
+              <a:t>1/2/2020</a:t>
             </a:fld>
             <a:endParaRPr lang="en-US"/>
           </a:p>
@@ -2354,7 +2356,7 @@
           <a:p>
             <a:fld id="{9CB4C527-04B6-4EF3-8115-1080DBAFB2E9}" type="datetimeFigureOut">
               <a:rPr lang="en-US" smtClean="0"/>
-              <a:t>12/27/2019</a:t>
+              <a:t>1/2/2020</a:t>
             </a:fld>
             <a:endParaRPr lang="en-US"/>
           </a:p>
@@ -2567,7 +2569,7 @@
           <a:p>
             <a:fld id="{9CB4C527-04B6-4EF3-8115-1080DBAFB2E9}" type="datetimeFigureOut">
               <a:rPr lang="en-US" smtClean="0"/>
-              <a:t>12/27/2019</a:t>
+              <a:t>1/2/2020</a:t>
             </a:fld>
             <a:endParaRPr lang="en-US"/>
           </a:p>
@@ -5260,6 +5262,2099 @@
 </p:sld>
 </file>
 
+<file path=ppt/slides/slide5.xml><?xml version="1.0" encoding="utf-8"?>
+<p:sld xmlns:a="http://schemas.openxmlformats.org/drawingml/2006/main" xmlns:r="http://schemas.openxmlformats.org/officeDocument/2006/relationships" xmlns:p="http://schemas.openxmlformats.org/presentationml/2006/main">
+  <p:cSld>
+    <p:spTree>
+      <p:nvGrpSpPr>
+        <p:cNvPr id="1" name=""/>
+        <p:cNvGrpSpPr/>
+        <p:nvPr/>
+      </p:nvGrpSpPr>
+      <p:grpSpPr>
+        <a:xfrm>
+          <a:off x="0" y="0"/>
+          <a:ext cx="0" cy="0"/>
+          <a:chOff x="0" y="0"/>
+          <a:chExt cx="0" cy="0"/>
+        </a:xfrm>
+      </p:grpSpPr>
+      <p:sp>
+        <p:nvSpPr>
+          <p:cNvPr id="2" name="Title 1"/>
+          <p:cNvSpPr>
+            <a:spLocks noGrp="1"/>
+          </p:cNvSpPr>
+          <p:nvPr>
+            <p:ph type="title"/>
+          </p:nvPr>
+        </p:nvSpPr>
+        <p:spPr>
+          <a:xfrm>
+            <a:off x="838200" y="365125"/>
+            <a:ext cx="10515600" cy="393411"/>
+          </a:xfrm>
+        </p:spPr>
+        <p:txBody>
+          <a:bodyPr>
+            <a:normAutofit/>
+          </a:bodyPr>
+          <a:lstStyle/>
+          <a:p>
+            <a:r>
+              <a:rPr lang="en-US" sz="1600" b="1" dirty="0" smtClean="0"/>
+              <a:t>Circuit Breaker Pattern</a:t>
+            </a:r>
+            <a:endParaRPr lang="en-US" sz="1600" b="1" dirty="0"/>
+          </a:p>
+        </p:txBody>
+      </p:sp>
+      <p:sp>
+        <p:nvSpPr>
+          <p:cNvPr id="4" name="Rectangle 3"/>
+          <p:cNvSpPr/>
+          <p:nvPr/>
+        </p:nvSpPr>
+        <p:spPr>
+          <a:xfrm>
+            <a:off x="2712027" y="2067791"/>
+            <a:ext cx="2005446" cy="509154"/>
+          </a:xfrm>
+          <a:prstGeom prst="rect">
+            <a:avLst/>
+          </a:prstGeom>
+          <a:solidFill>
+            <a:schemeClr val="accent5">
+              <a:lumMod val="50000"/>
+            </a:schemeClr>
+          </a:solidFill>
+        </p:spPr>
+        <p:style>
+          <a:lnRef idx="2">
+            <a:schemeClr val="accent1">
+              <a:shade val="50000"/>
+            </a:schemeClr>
+          </a:lnRef>
+          <a:fillRef idx="1">
+            <a:schemeClr val="accent1"/>
+          </a:fillRef>
+          <a:effectRef idx="0">
+            <a:schemeClr val="accent1"/>
+          </a:effectRef>
+          <a:fontRef idx="minor">
+            <a:schemeClr val="lt1"/>
+          </a:fontRef>
+        </p:style>
+        <p:txBody>
+          <a:bodyPr rtlCol="0" anchor="ctr"/>
+          <a:lstStyle/>
+          <a:p>
+            <a:pPr algn="ctr"/>
+            <a:r>
+              <a:rPr lang="en-US" sz="1400" b="1" dirty="0" smtClean="0"/>
+              <a:t>Order Service</a:t>
+            </a:r>
+            <a:endParaRPr lang="en-US" sz="1400" b="1" dirty="0"/>
+          </a:p>
+        </p:txBody>
+      </p:sp>
+      <p:sp>
+        <p:nvSpPr>
+          <p:cNvPr id="5" name="Rectangle 4"/>
+          <p:cNvSpPr/>
+          <p:nvPr/>
+        </p:nvSpPr>
+        <p:spPr>
+          <a:xfrm>
+            <a:off x="6293427" y="2067791"/>
+            <a:ext cx="2005446" cy="509154"/>
+          </a:xfrm>
+          <a:prstGeom prst="rect">
+            <a:avLst/>
+          </a:prstGeom>
+          <a:solidFill>
+            <a:schemeClr val="accent6">
+              <a:lumMod val="75000"/>
+            </a:schemeClr>
+          </a:solidFill>
+        </p:spPr>
+        <p:style>
+          <a:lnRef idx="2">
+            <a:schemeClr val="accent1">
+              <a:shade val="50000"/>
+            </a:schemeClr>
+          </a:lnRef>
+          <a:fillRef idx="1">
+            <a:schemeClr val="accent1"/>
+          </a:fillRef>
+          <a:effectRef idx="0">
+            <a:schemeClr val="accent1"/>
+          </a:effectRef>
+          <a:fontRef idx="minor">
+            <a:schemeClr val="lt1"/>
+          </a:fontRef>
+        </p:style>
+        <p:txBody>
+          <a:bodyPr rtlCol="0" anchor="ctr"/>
+          <a:lstStyle/>
+          <a:p>
+            <a:pPr algn="ctr"/>
+            <a:r>
+              <a:rPr lang="en-US" sz="1400" b="1" dirty="0" smtClean="0"/>
+              <a:t>Payment Service</a:t>
+            </a:r>
+            <a:endParaRPr lang="en-US" sz="1400" b="1" dirty="0"/>
+          </a:p>
+        </p:txBody>
+      </p:sp>
+      <p:cxnSp>
+        <p:nvCxnSpPr>
+          <p:cNvPr id="7" name="Straight Arrow Connector 6"/>
+          <p:cNvCxnSpPr>
+            <a:endCxn id="4" idx="1"/>
+          </p:cNvCxnSpPr>
+          <p:nvPr/>
+        </p:nvCxnSpPr>
+        <p:spPr>
+          <a:xfrm>
+            <a:off x="1278082" y="2322368"/>
+            <a:ext cx="1433945" cy="0"/>
+          </a:xfrm>
+          <a:prstGeom prst="straightConnector1">
+            <a:avLst/>
+          </a:prstGeom>
+          <a:ln w="19050">
+            <a:solidFill>
+              <a:srgbClr val="002060"/>
+            </a:solidFill>
+            <a:tailEnd type="triangle"/>
+          </a:ln>
+        </p:spPr>
+        <p:style>
+          <a:lnRef idx="1">
+            <a:schemeClr val="accent1"/>
+          </a:lnRef>
+          <a:fillRef idx="0">
+            <a:schemeClr val="accent1"/>
+          </a:fillRef>
+          <a:effectRef idx="0">
+            <a:schemeClr val="accent1"/>
+          </a:effectRef>
+          <a:fontRef idx="minor">
+            <a:schemeClr val="tx1"/>
+          </a:fontRef>
+        </p:style>
+      </p:cxnSp>
+      <p:cxnSp>
+        <p:nvCxnSpPr>
+          <p:cNvPr id="9" name="Straight Arrow Connector 8"/>
+          <p:cNvCxnSpPr>
+            <a:stCxn id="4" idx="3"/>
+            <a:endCxn id="5" idx="1"/>
+          </p:cNvCxnSpPr>
+          <p:nvPr/>
+        </p:nvCxnSpPr>
+        <p:spPr>
+          <a:xfrm>
+            <a:off x="4717473" y="2322368"/>
+            <a:ext cx="1575954" cy="0"/>
+          </a:xfrm>
+          <a:prstGeom prst="straightConnector1">
+            <a:avLst/>
+          </a:prstGeom>
+          <a:ln w="19050">
+            <a:solidFill>
+              <a:srgbClr val="002060"/>
+            </a:solidFill>
+            <a:tailEnd type="triangle"/>
+          </a:ln>
+        </p:spPr>
+        <p:style>
+          <a:lnRef idx="1">
+            <a:schemeClr val="accent1"/>
+          </a:lnRef>
+          <a:fillRef idx="0">
+            <a:schemeClr val="accent1"/>
+          </a:fillRef>
+          <a:effectRef idx="0">
+            <a:schemeClr val="accent1"/>
+          </a:effectRef>
+          <a:fontRef idx="minor">
+            <a:schemeClr val="tx1"/>
+          </a:fontRef>
+        </p:style>
+      </p:cxnSp>
+      <p:sp>
+        <p:nvSpPr>
+          <p:cNvPr id="10" name="TextBox 9"/>
+          <p:cNvSpPr txBox="1"/>
+          <p:nvPr/>
+        </p:nvSpPr>
+        <p:spPr>
+          <a:xfrm>
+            <a:off x="5279728" y="2322368"/>
+            <a:ext cx="498278" cy="307777"/>
+          </a:xfrm>
+          <a:prstGeom prst="rect">
+            <a:avLst/>
+          </a:prstGeom>
+          <a:noFill/>
+        </p:spPr>
+        <p:txBody>
+          <a:bodyPr wrap="none" rtlCol="0">
+            <a:spAutoFit/>
+          </a:bodyPr>
+          <a:lstStyle/>
+          <a:p>
+            <a:r>
+              <a:rPr lang="en-US" sz="1400" b="1" dirty="0" smtClean="0"/>
+              <a:t>http</a:t>
+            </a:r>
+            <a:endParaRPr lang="en-US" sz="1400" b="1" dirty="0"/>
+          </a:p>
+        </p:txBody>
+      </p:sp>
+      <p:sp>
+        <p:nvSpPr>
+          <p:cNvPr id="11" name="TextBox 10"/>
+          <p:cNvSpPr txBox="1"/>
+          <p:nvPr/>
+        </p:nvSpPr>
+        <p:spPr>
+          <a:xfrm>
+            <a:off x="7425738" y="1987003"/>
+            <a:ext cx="1373518" cy="307777"/>
+          </a:xfrm>
+          <a:prstGeom prst="rect">
+            <a:avLst/>
+          </a:prstGeom>
+          <a:noFill/>
+        </p:spPr>
+        <p:txBody>
+          <a:bodyPr wrap="none" rtlCol="0">
+            <a:spAutoFit/>
+          </a:bodyPr>
+          <a:lstStyle/>
+          <a:p>
+            <a:r>
+              <a:rPr lang="en-US" sz="1400" b="1" dirty="0" smtClean="0"/>
+              <a:t>External Service</a:t>
+            </a:r>
+            <a:endParaRPr lang="en-US" sz="1400" b="1" dirty="0"/>
+          </a:p>
+        </p:txBody>
+      </p:sp>
+      <p:sp>
+        <p:nvSpPr>
+          <p:cNvPr id="12" name="TextBox 11"/>
+          <p:cNvSpPr txBox="1"/>
+          <p:nvPr/>
+        </p:nvSpPr>
+        <p:spPr>
+          <a:xfrm>
+            <a:off x="1496777" y="2007420"/>
+            <a:ext cx="751360" cy="307777"/>
+          </a:xfrm>
+          <a:prstGeom prst="rect">
+            <a:avLst/>
+          </a:prstGeom>
+          <a:noFill/>
+        </p:spPr>
+        <p:txBody>
+          <a:bodyPr wrap="none" rtlCol="0">
+            <a:spAutoFit/>
+          </a:bodyPr>
+          <a:lstStyle/>
+          <a:p>
+            <a:r>
+              <a:rPr lang="en-US" sz="1400" b="1" dirty="0" smtClean="0"/>
+              <a:t>request</a:t>
+            </a:r>
+            <a:endParaRPr lang="en-US" sz="1400" b="1" dirty="0"/>
+          </a:p>
+        </p:txBody>
+      </p:sp>
+      <p:sp>
+        <p:nvSpPr>
+          <p:cNvPr id="13" name="Rectangle 12"/>
+          <p:cNvSpPr/>
+          <p:nvPr/>
+        </p:nvSpPr>
+        <p:spPr>
+          <a:xfrm>
+            <a:off x="1340913" y="3564081"/>
+            <a:ext cx="1371114" cy="1735282"/>
+          </a:xfrm>
+          <a:prstGeom prst="rect">
+            <a:avLst/>
+          </a:prstGeom>
+          <a:noFill/>
+          <a:ln w="19050">
+            <a:solidFill>
+              <a:srgbClr val="002060"/>
+            </a:solidFill>
+          </a:ln>
+        </p:spPr>
+        <p:style>
+          <a:lnRef idx="2">
+            <a:schemeClr val="accent1">
+              <a:shade val="50000"/>
+            </a:schemeClr>
+          </a:lnRef>
+          <a:fillRef idx="1">
+            <a:schemeClr val="accent1"/>
+          </a:fillRef>
+          <a:effectRef idx="0">
+            <a:schemeClr val="accent1"/>
+          </a:effectRef>
+          <a:fontRef idx="minor">
+            <a:schemeClr val="lt1"/>
+          </a:fontRef>
+        </p:style>
+        <p:txBody>
+          <a:bodyPr rtlCol="0" anchor="ctr"/>
+          <a:lstStyle/>
+          <a:p>
+            <a:pPr algn="ctr"/>
+            <a:endParaRPr lang="en-US"/>
+          </a:p>
+        </p:txBody>
+      </p:sp>
+      <p:cxnSp>
+        <p:nvCxnSpPr>
+          <p:cNvPr id="15" name="Straight Arrow Connector 14"/>
+          <p:cNvCxnSpPr/>
+          <p:nvPr/>
+        </p:nvCxnSpPr>
+        <p:spPr>
+          <a:xfrm>
+            <a:off x="1454727" y="3823853"/>
+            <a:ext cx="1101436" cy="0"/>
+          </a:xfrm>
+          <a:prstGeom prst="straightConnector1">
+            <a:avLst/>
+          </a:prstGeom>
+          <a:ln w="19050">
+            <a:solidFill>
+              <a:srgbClr val="FF0000"/>
+            </a:solidFill>
+            <a:tailEnd type="triangle"/>
+          </a:ln>
+        </p:spPr>
+        <p:style>
+          <a:lnRef idx="1">
+            <a:schemeClr val="accent1"/>
+          </a:lnRef>
+          <a:fillRef idx="0">
+            <a:schemeClr val="accent1"/>
+          </a:fillRef>
+          <a:effectRef idx="0">
+            <a:schemeClr val="accent1"/>
+          </a:effectRef>
+          <a:fontRef idx="minor">
+            <a:schemeClr val="tx1"/>
+          </a:fontRef>
+        </p:style>
+      </p:cxnSp>
+      <p:cxnSp>
+        <p:nvCxnSpPr>
+          <p:cNvPr id="16" name="Straight Arrow Connector 15"/>
+          <p:cNvCxnSpPr/>
+          <p:nvPr/>
+        </p:nvCxnSpPr>
+        <p:spPr>
+          <a:xfrm>
+            <a:off x="1454727" y="4204853"/>
+            <a:ext cx="1101436" cy="0"/>
+          </a:xfrm>
+          <a:prstGeom prst="straightConnector1">
+            <a:avLst/>
+          </a:prstGeom>
+          <a:ln w="19050">
+            <a:solidFill>
+              <a:schemeClr val="accent6">
+                <a:lumMod val="50000"/>
+              </a:schemeClr>
+            </a:solidFill>
+            <a:tailEnd type="triangle"/>
+          </a:ln>
+        </p:spPr>
+        <p:style>
+          <a:lnRef idx="1">
+            <a:schemeClr val="accent1"/>
+          </a:lnRef>
+          <a:fillRef idx="0">
+            <a:schemeClr val="accent1"/>
+          </a:fillRef>
+          <a:effectRef idx="0">
+            <a:schemeClr val="accent1"/>
+          </a:effectRef>
+          <a:fontRef idx="minor">
+            <a:schemeClr val="tx1"/>
+          </a:fontRef>
+        </p:style>
+      </p:cxnSp>
+      <p:cxnSp>
+        <p:nvCxnSpPr>
+          <p:cNvPr id="17" name="Straight Arrow Connector 16"/>
+          <p:cNvCxnSpPr/>
+          <p:nvPr/>
+        </p:nvCxnSpPr>
+        <p:spPr>
+          <a:xfrm>
+            <a:off x="1454727" y="4471553"/>
+            <a:ext cx="1101436" cy="0"/>
+          </a:xfrm>
+          <a:prstGeom prst="straightConnector1">
+            <a:avLst/>
+          </a:prstGeom>
+          <a:ln w="19050">
+            <a:solidFill>
+              <a:schemeClr val="accent6">
+                <a:lumMod val="50000"/>
+              </a:schemeClr>
+            </a:solidFill>
+            <a:tailEnd type="triangle"/>
+          </a:ln>
+        </p:spPr>
+        <p:style>
+          <a:lnRef idx="1">
+            <a:schemeClr val="accent1"/>
+          </a:lnRef>
+          <a:fillRef idx="0">
+            <a:schemeClr val="accent1"/>
+          </a:fillRef>
+          <a:effectRef idx="0">
+            <a:schemeClr val="accent1"/>
+          </a:effectRef>
+          <a:fontRef idx="minor">
+            <a:schemeClr val="tx1"/>
+          </a:fontRef>
+        </p:style>
+      </p:cxnSp>
+      <p:cxnSp>
+        <p:nvCxnSpPr>
+          <p:cNvPr id="18" name="Straight Arrow Connector 17"/>
+          <p:cNvCxnSpPr/>
+          <p:nvPr/>
+        </p:nvCxnSpPr>
+        <p:spPr>
+          <a:xfrm>
+            <a:off x="1454727" y="4720935"/>
+            <a:ext cx="1101436" cy="0"/>
+          </a:xfrm>
+          <a:prstGeom prst="straightConnector1">
+            <a:avLst/>
+          </a:prstGeom>
+          <a:ln w="19050">
+            <a:solidFill>
+              <a:schemeClr val="accent6">
+                <a:lumMod val="50000"/>
+              </a:schemeClr>
+            </a:solidFill>
+            <a:tailEnd type="triangle"/>
+          </a:ln>
+        </p:spPr>
+        <p:style>
+          <a:lnRef idx="1">
+            <a:schemeClr val="accent1"/>
+          </a:lnRef>
+          <a:fillRef idx="0">
+            <a:schemeClr val="accent1"/>
+          </a:fillRef>
+          <a:effectRef idx="0">
+            <a:schemeClr val="accent1"/>
+          </a:effectRef>
+          <a:fontRef idx="minor">
+            <a:schemeClr val="tx1"/>
+          </a:fontRef>
+        </p:style>
+      </p:cxnSp>
+      <p:cxnSp>
+        <p:nvCxnSpPr>
+          <p:cNvPr id="19" name="Straight Arrow Connector 18"/>
+          <p:cNvCxnSpPr/>
+          <p:nvPr/>
+        </p:nvCxnSpPr>
+        <p:spPr>
+          <a:xfrm>
+            <a:off x="1454727" y="4959926"/>
+            <a:ext cx="1101436" cy="0"/>
+          </a:xfrm>
+          <a:prstGeom prst="straightConnector1">
+            <a:avLst/>
+          </a:prstGeom>
+          <a:ln w="19050">
+            <a:solidFill>
+              <a:schemeClr val="accent6">
+                <a:lumMod val="50000"/>
+              </a:schemeClr>
+            </a:solidFill>
+            <a:tailEnd type="triangle"/>
+          </a:ln>
+        </p:spPr>
+        <p:style>
+          <a:lnRef idx="1">
+            <a:schemeClr val="accent1"/>
+          </a:lnRef>
+          <a:fillRef idx="0">
+            <a:schemeClr val="accent1"/>
+          </a:fillRef>
+          <a:effectRef idx="0">
+            <a:schemeClr val="accent1"/>
+          </a:effectRef>
+          <a:fontRef idx="minor">
+            <a:schemeClr val="tx1"/>
+          </a:fontRef>
+        </p:style>
+      </p:cxnSp>
+      <p:cxnSp>
+        <p:nvCxnSpPr>
+          <p:cNvPr id="20" name="Straight Arrow Connector 19"/>
+          <p:cNvCxnSpPr/>
+          <p:nvPr/>
+        </p:nvCxnSpPr>
+        <p:spPr>
+          <a:xfrm>
+            <a:off x="1454727" y="5178135"/>
+            <a:ext cx="1101436" cy="0"/>
+          </a:xfrm>
+          <a:prstGeom prst="straightConnector1">
+            <a:avLst/>
+          </a:prstGeom>
+          <a:ln w="19050">
+            <a:solidFill>
+              <a:schemeClr val="accent6">
+                <a:lumMod val="50000"/>
+              </a:schemeClr>
+            </a:solidFill>
+            <a:tailEnd type="triangle"/>
+          </a:ln>
+        </p:spPr>
+        <p:style>
+          <a:lnRef idx="1">
+            <a:schemeClr val="accent1"/>
+          </a:lnRef>
+          <a:fillRef idx="0">
+            <a:schemeClr val="accent1"/>
+          </a:fillRef>
+          <a:effectRef idx="0">
+            <a:schemeClr val="accent1"/>
+          </a:effectRef>
+          <a:fontRef idx="minor">
+            <a:schemeClr val="tx1"/>
+          </a:fontRef>
+        </p:style>
+      </p:cxnSp>
+      <p:sp>
+        <p:nvSpPr>
+          <p:cNvPr id="21" name="TextBox 20"/>
+          <p:cNvSpPr txBox="1"/>
+          <p:nvPr/>
+        </p:nvSpPr>
+        <p:spPr>
+          <a:xfrm>
+            <a:off x="1334534" y="5294213"/>
+            <a:ext cx="1412759" cy="276999"/>
+          </a:xfrm>
+          <a:prstGeom prst="rect">
+            <a:avLst/>
+          </a:prstGeom>
+          <a:noFill/>
+        </p:spPr>
+        <p:txBody>
+          <a:bodyPr wrap="none" rtlCol="0">
+            <a:spAutoFit/>
+          </a:bodyPr>
+          <a:lstStyle/>
+          <a:p>
+            <a:r>
+              <a:rPr lang="en-US" sz="1200" b="1" dirty="0" smtClean="0"/>
+              <a:t>Servlet thread pool</a:t>
+            </a:r>
+            <a:endParaRPr lang="en-US" sz="1200" b="1" dirty="0"/>
+          </a:p>
+        </p:txBody>
+      </p:sp>
+      <p:sp>
+        <p:nvSpPr>
+          <p:cNvPr id="22" name="TextBox 21"/>
+          <p:cNvSpPr txBox="1"/>
+          <p:nvPr/>
+        </p:nvSpPr>
+        <p:spPr>
+          <a:xfrm>
+            <a:off x="1839190" y="3566839"/>
+            <a:ext cx="1197636" cy="276999"/>
+          </a:xfrm>
+          <a:prstGeom prst="rect">
+            <a:avLst/>
+          </a:prstGeom>
+          <a:noFill/>
+        </p:spPr>
+        <p:txBody>
+          <a:bodyPr wrap="none" rtlCol="0">
+            <a:spAutoFit/>
+          </a:bodyPr>
+          <a:lstStyle/>
+          <a:p>
+            <a:r>
+              <a:rPr lang="en-US" sz="1200" b="1" dirty="0" smtClean="0"/>
+              <a:t>thread assigned</a:t>
+            </a:r>
+            <a:endParaRPr lang="en-US" sz="1200" b="1" dirty="0"/>
+          </a:p>
+        </p:txBody>
+      </p:sp>
+      <p:sp>
+        <p:nvSpPr>
+          <p:cNvPr id="24" name="Left Brace 23"/>
+          <p:cNvSpPr/>
+          <p:nvPr/>
+        </p:nvSpPr>
+        <p:spPr>
+          <a:xfrm>
+            <a:off x="1174901" y="4094017"/>
+            <a:ext cx="72737" cy="1200196"/>
+          </a:xfrm>
+          <a:prstGeom prst="leftBrace">
+            <a:avLst/>
+          </a:prstGeom>
+          <a:ln w="28575"/>
+        </p:spPr>
+        <p:style>
+          <a:lnRef idx="1">
+            <a:schemeClr val="accent1"/>
+          </a:lnRef>
+          <a:fillRef idx="0">
+            <a:schemeClr val="accent1"/>
+          </a:fillRef>
+          <a:effectRef idx="0">
+            <a:schemeClr val="accent1"/>
+          </a:effectRef>
+          <a:fontRef idx="minor">
+            <a:schemeClr val="tx1"/>
+          </a:fontRef>
+        </p:style>
+        <p:txBody>
+          <a:bodyPr rtlCol="0" anchor="ctr"/>
+          <a:lstStyle/>
+          <a:p>
+            <a:pPr algn="ctr"/>
+            <a:endParaRPr lang="en-US"/>
+          </a:p>
+        </p:txBody>
+      </p:sp>
+      <p:sp>
+        <p:nvSpPr>
+          <p:cNvPr id="26" name="TextBox 25"/>
+          <p:cNvSpPr txBox="1"/>
+          <p:nvPr/>
+        </p:nvSpPr>
+        <p:spPr>
+          <a:xfrm>
+            <a:off x="339435" y="4403306"/>
+            <a:ext cx="1299010" cy="276999"/>
+          </a:xfrm>
+          <a:prstGeom prst="rect">
+            <a:avLst/>
+          </a:prstGeom>
+          <a:noFill/>
+        </p:spPr>
+        <p:txBody>
+          <a:bodyPr wrap="none" rtlCol="0">
+            <a:spAutoFit/>
+          </a:bodyPr>
+          <a:lstStyle/>
+          <a:p>
+            <a:r>
+              <a:rPr lang="en-US" sz="1200" b="1" dirty="0" smtClean="0"/>
+              <a:t>Threads available</a:t>
+            </a:r>
+            <a:endParaRPr lang="en-US" sz="1200" b="1" dirty="0"/>
+          </a:p>
+        </p:txBody>
+      </p:sp>
+      <p:sp>
+        <p:nvSpPr>
+          <p:cNvPr id="27" name="Rectangle 26"/>
+          <p:cNvSpPr/>
+          <p:nvPr/>
+        </p:nvSpPr>
+        <p:spPr>
+          <a:xfrm>
+            <a:off x="5778006" y="3169228"/>
+            <a:ext cx="2005446" cy="509154"/>
+          </a:xfrm>
+          <a:prstGeom prst="rect">
+            <a:avLst/>
+          </a:prstGeom>
+          <a:solidFill>
+            <a:schemeClr val="accent5">
+              <a:lumMod val="50000"/>
+            </a:schemeClr>
+          </a:solidFill>
+        </p:spPr>
+        <p:style>
+          <a:lnRef idx="2">
+            <a:schemeClr val="accent1">
+              <a:shade val="50000"/>
+            </a:schemeClr>
+          </a:lnRef>
+          <a:fillRef idx="1">
+            <a:schemeClr val="accent1"/>
+          </a:fillRef>
+          <a:effectRef idx="0">
+            <a:schemeClr val="accent1"/>
+          </a:effectRef>
+          <a:fontRef idx="minor">
+            <a:schemeClr val="lt1"/>
+          </a:fontRef>
+        </p:style>
+        <p:txBody>
+          <a:bodyPr rtlCol="0" anchor="ctr"/>
+          <a:lstStyle/>
+          <a:p>
+            <a:pPr algn="ctr"/>
+            <a:r>
+              <a:rPr lang="en-US" sz="1400" b="1" dirty="0" smtClean="0"/>
+              <a:t>Product search service</a:t>
+            </a:r>
+            <a:endParaRPr lang="en-US" sz="1400" b="1" dirty="0"/>
+          </a:p>
+        </p:txBody>
+      </p:sp>
+      <p:cxnSp>
+        <p:nvCxnSpPr>
+          <p:cNvPr id="29" name="Curved Connector 28"/>
+          <p:cNvCxnSpPr/>
+          <p:nvPr/>
+        </p:nvCxnSpPr>
+        <p:spPr>
+          <a:xfrm>
+            <a:off x="1349572" y="2548372"/>
+            <a:ext cx="4443472" cy="992332"/>
+          </a:xfrm>
+          <a:prstGeom prst="curvedConnector3">
+            <a:avLst/>
+          </a:prstGeom>
+          <a:ln w="19050">
+            <a:solidFill>
+              <a:srgbClr val="002060"/>
+            </a:solidFill>
+            <a:tailEnd type="triangle"/>
+          </a:ln>
+        </p:spPr>
+        <p:style>
+          <a:lnRef idx="1">
+            <a:schemeClr val="accent1"/>
+          </a:lnRef>
+          <a:fillRef idx="0">
+            <a:schemeClr val="accent1"/>
+          </a:fillRef>
+          <a:effectRef idx="0">
+            <a:schemeClr val="accent1"/>
+          </a:effectRef>
+          <a:fontRef idx="minor">
+            <a:schemeClr val="tx1"/>
+          </a:fontRef>
+        </p:style>
+      </p:cxnSp>
+      <p:sp>
+        <p:nvSpPr>
+          <p:cNvPr id="30" name="Rectangle 29"/>
+          <p:cNvSpPr/>
+          <p:nvPr/>
+        </p:nvSpPr>
+        <p:spPr>
+          <a:xfrm>
+            <a:off x="5778006" y="1181345"/>
+            <a:ext cx="2005446" cy="509154"/>
+          </a:xfrm>
+          <a:prstGeom prst="rect">
+            <a:avLst/>
+          </a:prstGeom>
+          <a:solidFill>
+            <a:schemeClr val="accent5">
+              <a:lumMod val="50000"/>
+            </a:schemeClr>
+          </a:solidFill>
+        </p:spPr>
+        <p:style>
+          <a:lnRef idx="2">
+            <a:schemeClr val="accent1">
+              <a:shade val="50000"/>
+            </a:schemeClr>
+          </a:lnRef>
+          <a:fillRef idx="1">
+            <a:schemeClr val="accent1"/>
+          </a:fillRef>
+          <a:effectRef idx="0">
+            <a:schemeClr val="accent1"/>
+          </a:effectRef>
+          <a:fontRef idx="minor">
+            <a:schemeClr val="lt1"/>
+          </a:fontRef>
+        </p:style>
+        <p:txBody>
+          <a:bodyPr rtlCol="0" anchor="ctr"/>
+          <a:lstStyle/>
+          <a:p>
+            <a:pPr algn="ctr"/>
+            <a:r>
+              <a:rPr lang="en-US" sz="1400" b="1" dirty="0" smtClean="0"/>
+              <a:t>Notification service</a:t>
+            </a:r>
+            <a:endParaRPr lang="en-US" sz="1400" b="1" dirty="0"/>
+          </a:p>
+        </p:txBody>
+      </p:sp>
+      <p:cxnSp>
+        <p:nvCxnSpPr>
+          <p:cNvPr id="32" name="Curved Connector 31"/>
+          <p:cNvCxnSpPr/>
+          <p:nvPr/>
+        </p:nvCxnSpPr>
+        <p:spPr>
+          <a:xfrm flipV="1">
+            <a:off x="4719889" y="1565582"/>
+            <a:ext cx="1026010" cy="571235"/>
+          </a:xfrm>
+          <a:prstGeom prst="curvedConnector3">
+            <a:avLst/>
+          </a:prstGeom>
+          <a:ln w="19050">
+            <a:solidFill>
+              <a:srgbClr val="002060"/>
+            </a:solidFill>
+            <a:tailEnd type="triangle"/>
+          </a:ln>
+        </p:spPr>
+        <p:style>
+          <a:lnRef idx="1">
+            <a:schemeClr val="accent1"/>
+          </a:lnRef>
+          <a:fillRef idx="0">
+            <a:schemeClr val="accent1"/>
+          </a:fillRef>
+          <a:effectRef idx="0">
+            <a:schemeClr val="accent1"/>
+          </a:effectRef>
+          <a:fontRef idx="minor">
+            <a:schemeClr val="tx1"/>
+          </a:fontRef>
+        </p:style>
+      </p:cxnSp>
+    </p:spTree>
+    <p:extLst>
+      <p:ext uri="{BB962C8B-B14F-4D97-AF65-F5344CB8AC3E}">
+        <p14:creationId xmlns:p14="http://schemas.microsoft.com/office/powerpoint/2010/main" val="3647362944"/>
+      </p:ext>
+    </p:extLst>
+  </p:cSld>
+  <p:clrMapOvr>
+    <a:masterClrMapping/>
+  </p:clrMapOvr>
+</p:sld>
+</file>
+
+<file path=ppt/slides/slide6.xml><?xml version="1.0" encoding="utf-8"?>
+<p:sld xmlns:a="http://schemas.openxmlformats.org/drawingml/2006/main" xmlns:r="http://schemas.openxmlformats.org/officeDocument/2006/relationships" xmlns:p="http://schemas.openxmlformats.org/presentationml/2006/main">
+  <p:cSld>
+    <p:spTree>
+      <p:nvGrpSpPr>
+        <p:cNvPr id="1" name=""/>
+        <p:cNvGrpSpPr/>
+        <p:nvPr/>
+      </p:nvGrpSpPr>
+      <p:grpSpPr>
+        <a:xfrm>
+          <a:off x="0" y="0"/>
+          <a:ext cx="0" cy="0"/>
+          <a:chOff x="0" y="0"/>
+          <a:chExt cx="0" cy="0"/>
+        </a:xfrm>
+      </p:grpSpPr>
+      <p:sp>
+        <p:nvSpPr>
+          <p:cNvPr id="2" name="Title 1"/>
+          <p:cNvSpPr>
+            <a:spLocks noGrp="1"/>
+          </p:cNvSpPr>
+          <p:nvPr>
+            <p:ph type="title"/>
+          </p:nvPr>
+        </p:nvSpPr>
+        <p:spPr>
+          <a:xfrm>
+            <a:off x="838200" y="365125"/>
+            <a:ext cx="8025245" cy="434975"/>
+          </a:xfrm>
+        </p:spPr>
+        <p:txBody>
+          <a:bodyPr>
+            <a:normAutofit/>
+          </a:bodyPr>
+          <a:lstStyle/>
+          <a:p>
+            <a:r>
+              <a:rPr lang="en-US" sz="1600" b="1" dirty="0" smtClean="0"/>
+              <a:t>Identity propagation</a:t>
+            </a:r>
+            <a:endParaRPr lang="en-US" sz="1600" b="1" dirty="0"/>
+          </a:p>
+        </p:txBody>
+      </p:sp>
+      <p:sp>
+        <p:nvSpPr>
+          <p:cNvPr id="4" name="Rectangle 3"/>
+          <p:cNvSpPr/>
+          <p:nvPr/>
+        </p:nvSpPr>
+        <p:spPr>
+          <a:xfrm>
+            <a:off x="3209058" y="1101436"/>
+            <a:ext cx="1641764" cy="467591"/>
+          </a:xfrm>
+          <a:prstGeom prst="rect">
+            <a:avLst/>
+          </a:prstGeom>
+          <a:solidFill>
+            <a:schemeClr val="accent1">
+              <a:lumMod val="75000"/>
+            </a:schemeClr>
+          </a:solidFill>
+        </p:spPr>
+        <p:style>
+          <a:lnRef idx="2">
+            <a:schemeClr val="accent1">
+              <a:shade val="50000"/>
+            </a:schemeClr>
+          </a:lnRef>
+          <a:fillRef idx="1">
+            <a:schemeClr val="accent1"/>
+          </a:fillRef>
+          <a:effectRef idx="0">
+            <a:schemeClr val="accent1"/>
+          </a:effectRef>
+          <a:fontRef idx="minor">
+            <a:schemeClr val="lt1"/>
+          </a:fontRef>
+        </p:style>
+        <p:txBody>
+          <a:bodyPr rtlCol="0" anchor="ctr"/>
+          <a:lstStyle/>
+          <a:p>
+            <a:pPr algn="ctr"/>
+            <a:r>
+              <a:rPr lang="en-US" sz="1400" b="1" dirty="0" smtClean="0"/>
+              <a:t>Client</a:t>
+            </a:r>
+            <a:endParaRPr lang="en-US" sz="1400" b="1" dirty="0"/>
+          </a:p>
+        </p:txBody>
+      </p:sp>
+      <p:pic>
+        <p:nvPicPr>
+          <p:cNvPr id="5" name="Picture 4"/>
+          <p:cNvPicPr>
+            <a:picLocks noChangeAspect="1"/>
+          </p:cNvPicPr>
+          <p:nvPr/>
+        </p:nvPicPr>
+        <p:blipFill>
+          <a:blip r:embed="rId2"/>
+          <a:stretch>
+            <a:fillRect/>
+          </a:stretch>
+        </p:blipFill>
+        <p:spPr>
+          <a:xfrm>
+            <a:off x="3347608" y="1155771"/>
+            <a:ext cx="351364" cy="358920"/>
+          </a:xfrm>
+          <a:prstGeom prst="rect">
+            <a:avLst/>
+          </a:prstGeom>
+        </p:spPr>
+      </p:pic>
+      <p:sp>
+        <p:nvSpPr>
+          <p:cNvPr id="6" name="Rectangle 5"/>
+          <p:cNvSpPr/>
+          <p:nvPr/>
+        </p:nvSpPr>
+        <p:spPr>
+          <a:xfrm>
+            <a:off x="6289995" y="2475849"/>
+            <a:ext cx="1984663" cy="462395"/>
+          </a:xfrm>
+          <a:prstGeom prst="rect">
+            <a:avLst/>
+          </a:prstGeom>
+          <a:solidFill>
+            <a:schemeClr val="accent6">
+              <a:lumMod val="50000"/>
+            </a:schemeClr>
+          </a:solidFill>
+        </p:spPr>
+        <p:style>
+          <a:lnRef idx="2">
+            <a:schemeClr val="accent1">
+              <a:shade val="50000"/>
+            </a:schemeClr>
+          </a:lnRef>
+          <a:fillRef idx="1">
+            <a:schemeClr val="accent1"/>
+          </a:fillRef>
+          <a:effectRef idx="0">
+            <a:schemeClr val="accent1"/>
+          </a:effectRef>
+          <a:fontRef idx="minor">
+            <a:schemeClr val="lt1"/>
+          </a:fontRef>
+        </p:style>
+        <p:txBody>
+          <a:bodyPr rtlCol="0" anchor="ctr"/>
+          <a:lstStyle/>
+          <a:p>
+            <a:pPr algn="ctr"/>
+            <a:r>
+              <a:rPr lang="en-US" sz="1400" b="1" dirty="0" smtClean="0"/>
+              <a:t>Identity provider</a:t>
+            </a:r>
+            <a:endParaRPr lang="en-US" sz="1400" b="1" dirty="0"/>
+          </a:p>
+        </p:txBody>
+      </p:sp>
+      <p:cxnSp>
+        <p:nvCxnSpPr>
+          <p:cNvPr id="15" name="Curved Connector 14"/>
+          <p:cNvCxnSpPr>
+            <a:endCxn id="6" idx="0"/>
+          </p:cNvCxnSpPr>
+          <p:nvPr/>
+        </p:nvCxnSpPr>
+        <p:spPr>
+          <a:xfrm>
+            <a:off x="4850822" y="1181965"/>
+            <a:ext cx="2431505" cy="1293884"/>
+          </a:xfrm>
+          <a:prstGeom prst="curvedConnector2">
+            <a:avLst/>
+          </a:prstGeom>
+          <a:ln w="12700">
+            <a:tailEnd type="triangle"/>
+          </a:ln>
+        </p:spPr>
+        <p:style>
+          <a:lnRef idx="1">
+            <a:schemeClr val="accent1"/>
+          </a:lnRef>
+          <a:fillRef idx="0">
+            <a:schemeClr val="accent1"/>
+          </a:fillRef>
+          <a:effectRef idx="0">
+            <a:schemeClr val="accent1"/>
+          </a:effectRef>
+          <a:fontRef idx="minor">
+            <a:schemeClr val="tx1"/>
+          </a:fontRef>
+        </p:style>
+      </p:cxnSp>
+      <p:cxnSp>
+        <p:nvCxnSpPr>
+          <p:cNvPr id="17" name="Curved Connector 16"/>
+          <p:cNvCxnSpPr/>
+          <p:nvPr/>
+        </p:nvCxnSpPr>
+        <p:spPr>
+          <a:xfrm rot="10800000">
+            <a:off x="4870014" y="1477242"/>
+            <a:ext cx="1842544" cy="983023"/>
+          </a:xfrm>
+          <a:prstGeom prst="curvedConnector3">
+            <a:avLst/>
+          </a:prstGeom>
+          <a:ln>
+            <a:tailEnd type="triangle"/>
+          </a:ln>
+        </p:spPr>
+        <p:style>
+          <a:lnRef idx="1">
+            <a:schemeClr val="accent1"/>
+          </a:lnRef>
+          <a:fillRef idx="0">
+            <a:schemeClr val="accent1"/>
+          </a:fillRef>
+          <a:effectRef idx="0">
+            <a:schemeClr val="accent1"/>
+          </a:effectRef>
+          <a:fontRef idx="minor">
+            <a:schemeClr val="tx1"/>
+          </a:fontRef>
+        </p:style>
+      </p:cxnSp>
+      <p:sp>
+        <p:nvSpPr>
+          <p:cNvPr id="18" name="Rectangle 17"/>
+          <p:cNvSpPr/>
+          <p:nvPr/>
+        </p:nvSpPr>
+        <p:spPr>
+          <a:xfrm>
+            <a:off x="6289995" y="3627509"/>
+            <a:ext cx="1984663" cy="647700"/>
+          </a:xfrm>
+          <a:prstGeom prst="rect">
+            <a:avLst/>
+          </a:prstGeom>
+          <a:solidFill>
+            <a:schemeClr val="accent6">
+              <a:lumMod val="50000"/>
+            </a:schemeClr>
+          </a:solidFill>
+        </p:spPr>
+        <p:style>
+          <a:lnRef idx="2">
+            <a:schemeClr val="accent1">
+              <a:shade val="50000"/>
+            </a:schemeClr>
+          </a:lnRef>
+          <a:fillRef idx="1">
+            <a:schemeClr val="accent1"/>
+          </a:fillRef>
+          <a:effectRef idx="0">
+            <a:schemeClr val="accent1"/>
+          </a:effectRef>
+          <a:fontRef idx="minor">
+            <a:schemeClr val="lt1"/>
+          </a:fontRef>
+        </p:style>
+        <p:txBody>
+          <a:bodyPr rtlCol="0" anchor="ctr"/>
+          <a:lstStyle/>
+          <a:p>
+            <a:pPr algn="ctr"/>
+            <a:r>
+              <a:rPr lang="en-US" sz="1400" b="1" dirty="0" smtClean="0"/>
+              <a:t>Roles permissions store</a:t>
+            </a:r>
+            <a:endParaRPr lang="en-US" sz="1400" b="1" dirty="0"/>
+          </a:p>
+        </p:txBody>
+      </p:sp>
+      <p:cxnSp>
+        <p:nvCxnSpPr>
+          <p:cNvPr id="20" name="Straight Arrow Connector 19"/>
+          <p:cNvCxnSpPr>
+            <a:stCxn id="6" idx="2"/>
+            <a:endCxn id="18" idx="0"/>
+          </p:cNvCxnSpPr>
+          <p:nvPr/>
+        </p:nvCxnSpPr>
+        <p:spPr>
+          <a:xfrm>
+            <a:off x="7282327" y="2938244"/>
+            <a:ext cx="0" cy="689265"/>
+          </a:xfrm>
+          <a:prstGeom prst="straightConnector1">
+            <a:avLst/>
+          </a:prstGeom>
+          <a:ln>
+            <a:headEnd type="triangle"/>
+            <a:tailEnd type="triangle"/>
+          </a:ln>
+        </p:spPr>
+        <p:style>
+          <a:lnRef idx="1">
+            <a:schemeClr val="accent1"/>
+          </a:lnRef>
+          <a:fillRef idx="0">
+            <a:schemeClr val="accent1"/>
+          </a:fillRef>
+          <a:effectRef idx="0">
+            <a:schemeClr val="accent1"/>
+          </a:effectRef>
+          <a:fontRef idx="minor">
+            <a:schemeClr val="tx1"/>
+          </a:fontRef>
+        </p:style>
+      </p:cxnSp>
+      <p:sp>
+        <p:nvSpPr>
+          <p:cNvPr id="21" name="Rounded Rectangle 20"/>
+          <p:cNvSpPr/>
+          <p:nvPr/>
+        </p:nvSpPr>
+        <p:spPr>
+          <a:xfrm>
+            <a:off x="3129426" y="2460264"/>
+            <a:ext cx="1849581" cy="477981"/>
+          </a:xfrm>
+          <a:prstGeom prst="roundRect">
+            <a:avLst/>
+          </a:prstGeom>
+          <a:solidFill>
+            <a:schemeClr val="accent5">
+              <a:lumMod val="50000"/>
+            </a:schemeClr>
+          </a:solidFill>
+        </p:spPr>
+        <p:style>
+          <a:lnRef idx="2">
+            <a:schemeClr val="accent1">
+              <a:shade val="50000"/>
+            </a:schemeClr>
+          </a:lnRef>
+          <a:fillRef idx="1">
+            <a:schemeClr val="accent1"/>
+          </a:fillRef>
+          <a:effectRef idx="0">
+            <a:schemeClr val="accent1"/>
+          </a:effectRef>
+          <a:fontRef idx="minor">
+            <a:schemeClr val="lt1"/>
+          </a:fontRef>
+        </p:style>
+        <p:txBody>
+          <a:bodyPr rtlCol="0" anchor="ctr"/>
+          <a:lstStyle/>
+          <a:p>
+            <a:pPr algn="ctr"/>
+            <a:r>
+              <a:rPr lang="en-US" sz="1400" b="1" dirty="0" smtClean="0"/>
+              <a:t>Spring </a:t>
+            </a:r>
+            <a:r>
+              <a:rPr lang="en-US" sz="1400" b="1" dirty="0"/>
+              <a:t>C</a:t>
+            </a:r>
+            <a:r>
+              <a:rPr lang="en-US" sz="1400" b="1" dirty="0" smtClean="0"/>
+              <a:t>loud Gateway</a:t>
+            </a:r>
+            <a:endParaRPr lang="en-US" sz="1400" b="1" dirty="0"/>
+          </a:p>
+        </p:txBody>
+      </p:sp>
+      <p:cxnSp>
+        <p:nvCxnSpPr>
+          <p:cNvPr id="23" name="Straight Arrow Connector 22"/>
+          <p:cNvCxnSpPr/>
+          <p:nvPr/>
+        </p:nvCxnSpPr>
+        <p:spPr>
+          <a:xfrm>
+            <a:off x="3698972" y="1569027"/>
+            <a:ext cx="24277" cy="906822"/>
+          </a:xfrm>
+          <a:prstGeom prst="straightConnector1">
+            <a:avLst/>
+          </a:prstGeom>
+          <a:ln>
+            <a:tailEnd type="triangle"/>
+          </a:ln>
+        </p:spPr>
+        <p:style>
+          <a:lnRef idx="1">
+            <a:schemeClr val="accent1"/>
+          </a:lnRef>
+          <a:fillRef idx="0">
+            <a:schemeClr val="accent1"/>
+          </a:fillRef>
+          <a:effectRef idx="0">
+            <a:schemeClr val="accent1"/>
+          </a:effectRef>
+          <a:fontRef idx="minor">
+            <a:schemeClr val="tx1"/>
+          </a:fontRef>
+        </p:style>
+      </p:cxnSp>
+      <p:cxnSp>
+        <p:nvCxnSpPr>
+          <p:cNvPr id="25" name="Straight Arrow Connector 24"/>
+          <p:cNvCxnSpPr/>
+          <p:nvPr/>
+        </p:nvCxnSpPr>
+        <p:spPr>
+          <a:xfrm flipH="1" flipV="1">
+            <a:off x="4239491" y="1569027"/>
+            <a:ext cx="24277" cy="891237"/>
+          </a:xfrm>
+          <a:prstGeom prst="straightConnector1">
+            <a:avLst/>
+          </a:prstGeom>
+          <a:ln>
+            <a:tailEnd type="triangle"/>
+          </a:ln>
+        </p:spPr>
+        <p:style>
+          <a:lnRef idx="1">
+            <a:schemeClr val="accent1"/>
+          </a:lnRef>
+          <a:fillRef idx="0">
+            <a:schemeClr val="accent1"/>
+          </a:fillRef>
+          <a:effectRef idx="0">
+            <a:schemeClr val="accent1"/>
+          </a:effectRef>
+          <a:fontRef idx="minor">
+            <a:schemeClr val="tx1"/>
+          </a:fontRef>
+        </p:style>
+      </p:cxnSp>
+      <p:cxnSp>
+        <p:nvCxnSpPr>
+          <p:cNvPr id="27" name="Straight Connector 26"/>
+          <p:cNvCxnSpPr/>
+          <p:nvPr/>
+        </p:nvCxnSpPr>
+        <p:spPr>
+          <a:xfrm>
+            <a:off x="4979007" y="2569368"/>
+            <a:ext cx="0" cy="88323"/>
+          </a:xfrm>
+          <a:prstGeom prst="line">
+            <a:avLst/>
+          </a:prstGeom>
+        </p:spPr>
+        <p:style>
+          <a:lnRef idx="1">
+            <a:schemeClr val="accent1"/>
+          </a:lnRef>
+          <a:fillRef idx="0">
+            <a:schemeClr val="accent1"/>
+          </a:fillRef>
+          <a:effectRef idx="0">
+            <a:schemeClr val="accent1"/>
+          </a:effectRef>
+          <a:fontRef idx="minor">
+            <a:schemeClr val="tx1"/>
+          </a:fontRef>
+        </p:style>
+      </p:cxnSp>
+      <p:cxnSp>
+        <p:nvCxnSpPr>
+          <p:cNvPr id="29" name="Straight Arrow Connector 28"/>
+          <p:cNvCxnSpPr/>
+          <p:nvPr/>
+        </p:nvCxnSpPr>
+        <p:spPr>
+          <a:xfrm>
+            <a:off x="4979007" y="2569368"/>
+            <a:ext cx="1310988" cy="0"/>
+          </a:xfrm>
+          <a:prstGeom prst="straightConnector1">
+            <a:avLst/>
+          </a:prstGeom>
+          <a:ln>
+            <a:tailEnd type="triangle"/>
+          </a:ln>
+        </p:spPr>
+        <p:style>
+          <a:lnRef idx="1">
+            <a:schemeClr val="accent1"/>
+          </a:lnRef>
+          <a:fillRef idx="0">
+            <a:schemeClr val="accent1"/>
+          </a:fillRef>
+          <a:effectRef idx="0">
+            <a:schemeClr val="accent1"/>
+          </a:effectRef>
+          <a:fontRef idx="minor">
+            <a:schemeClr val="tx1"/>
+          </a:fontRef>
+        </p:style>
+      </p:cxnSp>
+      <p:cxnSp>
+        <p:nvCxnSpPr>
+          <p:cNvPr id="33" name="Straight Arrow Connector 32"/>
+          <p:cNvCxnSpPr/>
+          <p:nvPr/>
+        </p:nvCxnSpPr>
+        <p:spPr>
+          <a:xfrm flipH="1">
+            <a:off x="4979007" y="2839532"/>
+            <a:ext cx="1310988" cy="0"/>
+          </a:xfrm>
+          <a:prstGeom prst="straightConnector1">
+            <a:avLst/>
+          </a:prstGeom>
+          <a:ln>
+            <a:tailEnd type="triangle"/>
+          </a:ln>
+        </p:spPr>
+        <p:style>
+          <a:lnRef idx="1">
+            <a:schemeClr val="accent1"/>
+          </a:lnRef>
+          <a:fillRef idx="0">
+            <a:schemeClr val="accent1"/>
+          </a:fillRef>
+          <a:effectRef idx="0">
+            <a:schemeClr val="accent1"/>
+          </a:effectRef>
+          <a:fontRef idx="minor">
+            <a:schemeClr val="tx1"/>
+          </a:fontRef>
+        </p:style>
+      </p:cxnSp>
+      <p:sp>
+        <p:nvSpPr>
+          <p:cNvPr id="37" name="Rectangle 36"/>
+          <p:cNvSpPr/>
+          <p:nvPr/>
+        </p:nvSpPr>
+        <p:spPr>
+          <a:xfrm>
+            <a:off x="3233335" y="3627511"/>
+            <a:ext cx="1641764" cy="467591"/>
+          </a:xfrm>
+          <a:prstGeom prst="rect">
+            <a:avLst/>
+          </a:prstGeom>
+          <a:solidFill>
+            <a:schemeClr val="accent1">
+              <a:lumMod val="75000"/>
+            </a:schemeClr>
+          </a:solidFill>
+        </p:spPr>
+        <p:style>
+          <a:lnRef idx="2">
+            <a:schemeClr val="accent1">
+              <a:shade val="50000"/>
+            </a:schemeClr>
+          </a:lnRef>
+          <a:fillRef idx="1">
+            <a:schemeClr val="accent1"/>
+          </a:fillRef>
+          <a:effectRef idx="0">
+            <a:schemeClr val="accent1"/>
+          </a:effectRef>
+          <a:fontRef idx="minor">
+            <a:schemeClr val="lt1"/>
+          </a:fontRef>
+        </p:style>
+        <p:txBody>
+          <a:bodyPr rtlCol="0" anchor="ctr"/>
+          <a:lstStyle/>
+          <a:p>
+            <a:pPr algn="ctr"/>
+            <a:r>
+              <a:rPr lang="en-US" sz="1400" b="1" dirty="0" smtClean="0"/>
+              <a:t>App Services</a:t>
+            </a:r>
+            <a:endParaRPr lang="en-US" sz="1400" b="1" dirty="0"/>
+          </a:p>
+        </p:txBody>
+      </p:sp>
+      <p:sp>
+        <p:nvSpPr>
+          <p:cNvPr id="38" name="Rectangle 37"/>
+          <p:cNvSpPr/>
+          <p:nvPr/>
+        </p:nvSpPr>
+        <p:spPr>
+          <a:xfrm>
+            <a:off x="3233334" y="4964475"/>
+            <a:ext cx="1641764" cy="467591"/>
+          </a:xfrm>
+          <a:prstGeom prst="rect">
+            <a:avLst/>
+          </a:prstGeom>
+          <a:solidFill>
+            <a:schemeClr val="accent1">
+              <a:lumMod val="75000"/>
+            </a:schemeClr>
+          </a:solidFill>
+        </p:spPr>
+        <p:style>
+          <a:lnRef idx="2">
+            <a:schemeClr val="accent1">
+              <a:shade val="50000"/>
+            </a:schemeClr>
+          </a:lnRef>
+          <a:fillRef idx="1">
+            <a:schemeClr val="accent1"/>
+          </a:fillRef>
+          <a:effectRef idx="0">
+            <a:schemeClr val="accent1"/>
+          </a:effectRef>
+          <a:fontRef idx="minor">
+            <a:schemeClr val="lt1"/>
+          </a:fontRef>
+        </p:style>
+        <p:txBody>
+          <a:bodyPr rtlCol="0" anchor="ctr"/>
+          <a:lstStyle/>
+          <a:p>
+            <a:pPr algn="ctr"/>
+            <a:r>
+              <a:rPr lang="en-US" sz="1400" b="1" dirty="0" smtClean="0"/>
+              <a:t>Domain Service</a:t>
+            </a:r>
+            <a:endParaRPr lang="en-US" sz="1400" b="1" dirty="0"/>
+          </a:p>
+        </p:txBody>
+      </p:sp>
+      <p:cxnSp>
+        <p:nvCxnSpPr>
+          <p:cNvPr id="39" name="Straight Arrow Connector 38"/>
+          <p:cNvCxnSpPr/>
+          <p:nvPr/>
+        </p:nvCxnSpPr>
+        <p:spPr>
+          <a:xfrm>
+            <a:off x="3723249" y="2938244"/>
+            <a:ext cx="0" cy="689265"/>
+          </a:xfrm>
+          <a:prstGeom prst="straightConnector1">
+            <a:avLst/>
+          </a:prstGeom>
+          <a:ln>
+            <a:tailEnd type="triangle"/>
+          </a:ln>
+        </p:spPr>
+        <p:style>
+          <a:lnRef idx="1">
+            <a:schemeClr val="accent1"/>
+          </a:lnRef>
+          <a:fillRef idx="0">
+            <a:schemeClr val="accent1"/>
+          </a:fillRef>
+          <a:effectRef idx="0">
+            <a:schemeClr val="accent1"/>
+          </a:effectRef>
+          <a:fontRef idx="minor">
+            <a:schemeClr val="tx1"/>
+          </a:fontRef>
+        </p:style>
+      </p:cxnSp>
+      <p:cxnSp>
+        <p:nvCxnSpPr>
+          <p:cNvPr id="41" name="Straight Arrow Connector 40"/>
+          <p:cNvCxnSpPr/>
+          <p:nvPr/>
+        </p:nvCxnSpPr>
+        <p:spPr>
+          <a:xfrm flipV="1">
+            <a:off x="4263768" y="2938245"/>
+            <a:ext cx="0" cy="689264"/>
+          </a:xfrm>
+          <a:prstGeom prst="straightConnector1">
+            <a:avLst/>
+          </a:prstGeom>
+          <a:ln>
+            <a:tailEnd type="triangle"/>
+          </a:ln>
+        </p:spPr>
+        <p:style>
+          <a:lnRef idx="1">
+            <a:schemeClr val="accent1"/>
+          </a:lnRef>
+          <a:fillRef idx="0">
+            <a:schemeClr val="accent1"/>
+          </a:fillRef>
+          <a:effectRef idx="0">
+            <a:schemeClr val="accent1"/>
+          </a:effectRef>
+          <a:fontRef idx="minor">
+            <a:schemeClr val="tx1"/>
+          </a:fontRef>
+        </p:style>
+      </p:cxnSp>
+      <p:cxnSp>
+        <p:nvCxnSpPr>
+          <p:cNvPr id="44" name="Straight Arrow Connector 43"/>
+          <p:cNvCxnSpPr>
+            <a:stCxn id="37" idx="2"/>
+            <a:endCxn id="38" idx="0"/>
+          </p:cNvCxnSpPr>
+          <p:nvPr/>
+        </p:nvCxnSpPr>
+        <p:spPr>
+          <a:xfrm flipH="1">
+            <a:off x="4054216" y="4095102"/>
+            <a:ext cx="1" cy="869373"/>
+          </a:xfrm>
+          <a:prstGeom prst="straightConnector1">
+            <a:avLst/>
+          </a:prstGeom>
+          <a:ln>
+            <a:headEnd type="triangle"/>
+            <a:tailEnd type="triangle"/>
+          </a:ln>
+        </p:spPr>
+        <p:style>
+          <a:lnRef idx="1">
+            <a:schemeClr val="accent1"/>
+          </a:lnRef>
+          <a:fillRef idx="0">
+            <a:schemeClr val="accent1"/>
+          </a:fillRef>
+          <a:effectRef idx="0">
+            <a:schemeClr val="accent1"/>
+          </a:effectRef>
+          <a:fontRef idx="minor">
+            <a:schemeClr val="tx1"/>
+          </a:fontRef>
+        </p:style>
+      </p:cxnSp>
+      <p:sp>
+        <p:nvSpPr>
+          <p:cNvPr id="45" name="TextBox 44"/>
+          <p:cNvSpPr txBox="1"/>
+          <p:nvPr/>
+        </p:nvSpPr>
+        <p:spPr>
+          <a:xfrm>
+            <a:off x="5250950" y="1032924"/>
+            <a:ext cx="1375698" cy="261610"/>
+          </a:xfrm>
+          <a:prstGeom prst="rect">
+            <a:avLst/>
+          </a:prstGeom>
+          <a:noFill/>
+        </p:spPr>
+        <p:txBody>
+          <a:bodyPr wrap="none" rtlCol="0">
+            <a:spAutoFit/>
+          </a:bodyPr>
+          <a:lstStyle/>
+          <a:p>
+            <a:r>
+              <a:rPr lang="en-US" sz="1100" b="1" dirty="0" smtClean="0"/>
+              <a:t>1. Enters credentials</a:t>
+            </a:r>
+            <a:endParaRPr lang="en-US" sz="1100" b="1" dirty="0"/>
+          </a:p>
+        </p:txBody>
+      </p:sp>
+      <p:sp>
+        <p:nvSpPr>
+          <p:cNvPr id="46" name="TextBox 45"/>
+          <p:cNvSpPr txBox="1"/>
+          <p:nvPr/>
+        </p:nvSpPr>
+        <p:spPr>
+          <a:xfrm>
+            <a:off x="5376539" y="1432066"/>
+            <a:ext cx="3321743" cy="769441"/>
+          </a:xfrm>
+          <a:prstGeom prst="rect">
+            <a:avLst/>
+          </a:prstGeom>
+          <a:noFill/>
+        </p:spPr>
+        <p:txBody>
+          <a:bodyPr wrap="none" rtlCol="0">
+            <a:spAutoFit/>
+          </a:bodyPr>
+          <a:lstStyle/>
+          <a:p>
+            <a:r>
+              <a:rPr lang="en-US" sz="1100" b="1" dirty="0" smtClean="0"/>
+              <a:t>2. IDP returns OAUTH access token to client</a:t>
+            </a:r>
+          </a:p>
+          <a:p>
+            <a:r>
+              <a:rPr lang="en-US" sz="1100" b="1" dirty="0" smtClean="0"/>
+              <a:t>It has a validity based on session and stored on client </a:t>
+            </a:r>
+          </a:p>
+          <a:p>
+            <a:r>
+              <a:rPr lang="en-US" sz="1100" b="1" dirty="0" smtClean="0"/>
+              <a:t>Local store</a:t>
+            </a:r>
+          </a:p>
+          <a:p>
+            <a:r>
+              <a:rPr lang="en-US" sz="1100" b="1" dirty="0" smtClean="0"/>
+              <a:t>OPEC access token</a:t>
+            </a:r>
+            <a:endParaRPr lang="en-US" sz="1100" b="1" dirty="0"/>
+          </a:p>
+        </p:txBody>
+      </p:sp>
+      <p:sp>
+        <p:nvSpPr>
+          <p:cNvPr id="52" name="TextBox 51"/>
+          <p:cNvSpPr txBox="1"/>
+          <p:nvPr/>
+        </p:nvSpPr>
+        <p:spPr>
+          <a:xfrm>
+            <a:off x="2155778" y="1683967"/>
+            <a:ext cx="1612942" cy="430887"/>
+          </a:xfrm>
+          <a:prstGeom prst="rect">
+            <a:avLst/>
+          </a:prstGeom>
+          <a:noFill/>
+        </p:spPr>
+        <p:txBody>
+          <a:bodyPr wrap="none" rtlCol="0">
+            <a:spAutoFit/>
+          </a:bodyPr>
+          <a:lstStyle/>
+          <a:p>
+            <a:r>
+              <a:rPr lang="en-US" sz="1100" b="1" dirty="0" smtClean="0"/>
+              <a:t>3. Requests passes </a:t>
+            </a:r>
+          </a:p>
+          <a:p>
+            <a:r>
+              <a:rPr lang="en-US" sz="1100" b="1" dirty="0" smtClean="0"/>
+              <a:t>access token to gateway</a:t>
+            </a:r>
+            <a:endParaRPr lang="en-US" sz="1100" b="1" dirty="0"/>
+          </a:p>
+        </p:txBody>
+      </p:sp>
+      <p:sp>
+        <p:nvSpPr>
+          <p:cNvPr id="53" name="TextBox 52"/>
+          <p:cNvSpPr txBox="1"/>
+          <p:nvPr/>
+        </p:nvSpPr>
+        <p:spPr>
+          <a:xfrm>
+            <a:off x="4892952" y="2360628"/>
+            <a:ext cx="1483098" cy="261610"/>
+          </a:xfrm>
+          <a:prstGeom prst="rect">
+            <a:avLst/>
+          </a:prstGeom>
+          <a:noFill/>
+        </p:spPr>
+        <p:txBody>
+          <a:bodyPr wrap="none" rtlCol="0">
+            <a:spAutoFit/>
+          </a:bodyPr>
+          <a:lstStyle/>
+          <a:p>
+            <a:r>
+              <a:rPr lang="en-US" sz="1100" b="1" dirty="0"/>
+              <a:t>4</a:t>
+            </a:r>
+            <a:r>
+              <a:rPr lang="en-US" sz="1100" b="1" dirty="0" smtClean="0"/>
+              <a:t>. Passes access token</a:t>
+            </a:r>
+            <a:endParaRPr lang="en-US" sz="1100" b="1" dirty="0"/>
+          </a:p>
+        </p:txBody>
+      </p:sp>
+      <p:sp>
+        <p:nvSpPr>
+          <p:cNvPr id="54" name="TextBox 53"/>
+          <p:cNvSpPr txBox="1"/>
+          <p:nvPr/>
+        </p:nvSpPr>
+        <p:spPr>
+          <a:xfrm>
+            <a:off x="4955311" y="2567160"/>
+            <a:ext cx="1225015" cy="261610"/>
+          </a:xfrm>
+          <a:prstGeom prst="rect">
+            <a:avLst/>
+          </a:prstGeom>
+          <a:noFill/>
+        </p:spPr>
+        <p:txBody>
+          <a:bodyPr wrap="none" rtlCol="0">
+            <a:spAutoFit/>
+          </a:bodyPr>
+          <a:lstStyle/>
+          <a:p>
+            <a:r>
+              <a:rPr lang="en-US" sz="1100" b="1" dirty="0"/>
+              <a:t> </a:t>
+            </a:r>
+            <a:r>
+              <a:rPr lang="en-US" sz="1100" b="1" dirty="0" smtClean="0"/>
+              <a:t>(token exchange)</a:t>
+            </a:r>
+            <a:endParaRPr lang="en-US" sz="1100" b="1" dirty="0"/>
+          </a:p>
+        </p:txBody>
+      </p:sp>
+      <p:sp>
+        <p:nvSpPr>
+          <p:cNvPr id="57" name="TextBox 56"/>
+          <p:cNvSpPr txBox="1"/>
+          <p:nvPr/>
+        </p:nvSpPr>
+        <p:spPr>
+          <a:xfrm>
+            <a:off x="6879162" y="3113984"/>
+            <a:ext cx="2406428" cy="261610"/>
+          </a:xfrm>
+          <a:prstGeom prst="rect">
+            <a:avLst/>
+          </a:prstGeom>
+          <a:noFill/>
+        </p:spPr>
+        <p:txBody>
+          <a:bodyPr wrap="none" rtlCol="0">
+            <a:spAutoFit/>
+          </a:bodyPr>
+          <a:lstStyle/>
+          <a:p>
+            <a:r>
+              <a:rPr lang="en-US" sz="1100" b="1" dirty="0" smtClean="0"/>
+              <a:t>5. Get Roles/Permissions from service</a:t>
+            </a:r>
+            <a:endParaRPr lang="en-US" sz="1100" b="1" dirty="0"/>
+          </a:p>
+        </p:txBody>
+      </p:sp>
+      <p:sp>
+        <p:nvSpPr>
+          <p:cNvPr id="58" name="TextBox 57"/>
+          <p:cNvSpPr txBox="1"/>
+          <p:nvPr/>
+        </p:nvSpPr>
+        <p:spPr>
+          <a:xfrm>
+            <a:off x="4840273" y="2879049"/>
+            <a:ext cx="2098651" cy="261610"/>
+          </a:xfrm>
+          <a:prstGeom prst="rect">
+            <a:avLst/>
+          </a:prstGeom>
+          <a:noFill/>
+        </p:spPr>
+        <p:txBody>
+          <a:bodyPr wrap="none" rtlCol="0">
+            <a:spAutoFit/>
+          </a:bodyPr>
+          <a:lstStyle/>
+          <a:p>
+            <a:r>
+              <a:rPr lang="en-US" sz="1100" b="1" dirty="0" smtClean="0"/>
+              <a:t>6. Returns JWT token with scope</a:t>
+            </a:r>
+            <a:endParaRPr lang="en-US" sz="1100" b="1" dirty="0"/>
+          </a:p>
+        </p:txBody>
+      </p:sp>
+      <p:sp>
+        <p:nvSpPr>
+          <p:cNvPr id="59" name="TextBox 58"/>
+          <p:cNvSpPr txBox="1"/>
+          <p:nvPr/>
+        </p:nvSpPr>
+        <p:spPr>
+          <a:xfrm>
+            <a:off x="2378596" y="3107521"/>
+            <a:ext cx="1390124" cy="430887"/>
+          </a:xfrm>
+          <a:prstGeom prst="rect">
+            <a:avLst/>
+          </a:prstGeom>
+          <a:noFill/>
+        </p:spPr>
+        <p:txBody>
+          <a:bodyPr wrap="none" rtlCol="0">
+            <a:spAutoFit/>
+          </a:bodyPr>
+          <a:lstStyle/>
+          <a:p>
+            <a:r>
+              <a:rPr lang="en-US" sz="1100" b="1" dirty="0" smtClean="0"/>
+              <a:t>7. Passes JWT token </a:t>
+            </a:r>
+          </a:p>
+          <a:p>
+            <a:r>
+              <a:rPr lang="en-US" sz="1100" b="1" dirty="0" smtClean="0"/>
+              <a:t>in request</a:t>
+            </a:r>
+            <a:endParaRPr lang="en-US" sz="1100" b="1" dirty="0"/>
+          </a:p>
+        </p:txBody>
+      </p:sp>
+      <p:sp>
+        <p:nvSpPr>
+          <p:cNvPr id="60" name="Oval Callout 59"/>
+          <p:cNvSpPr/>
+          <p:nvPr/>
+        </p:nvSpPr>
+        <p:spPr>
+          <a:xfrm>
+            <a:off x="318890" y="3538408"/>
+            <a:ext cx="2573514" cy="1327665"/>
+          </a:xfrm>
+          <a:prstGeom prst="wedgeEllipseCallout">
+            <a:avLst/>
+          </a:prstGeom>
+          <a:noFill/>
+          <a:ln>
+            <a:solidFill>
+              <a:schemeClr val="accent2">
+                <a:lumMod val="50000"/>
+              </a:schemeClr>
+            </a:solidFill>
+          </a:ln>
+        </p:spPr>
+        <p:style>
+          <a:lnRef idx="2">
+            <a:schemeClr val="accent1">
+              <a:shade val="50000"/>
+            </a:schemeClr>
+          </a:lnRef>
+          <a:fillRef idx="1">
+            <a:schemeClr val="accent1"/>
+          </a:fillRef>
+          <a:effectRef idx="0">
+            <a:schemeClr val="accent1"/>
+          </a:effectRef>
+          <a:fontRef idx="minor">
+            <a:schemeClr val="lt1"/>
+          </a:fontRef>
+        </p:style>
+        <p:txBody>
+          <a:bodyPr rtlCol="0" anchor="ctr"/>
+          <a:lstStyle/>
+          <a:p>
+            <a:r>
+              <a:rPr lang="en-US" sz="1050" b="1" dirty="0" smtClean="0">
+                <a:solidFill>
+                  <a:schemeClr val="tx1"/>
+                </a:solidFill>
+              </a:rPr>
+              <a:t>App services will extract the token &amp; authorization data from it. Validate the signature of it and once all checks out it will reach under laying Domain service for data</a:t>
+            </a:r>
+            <a:endParaRPr lang="en-US" sz="1050" dirty="0"/>
+          </a:p>
+        </p:txBody>
+      </p:sp>
+      <p:sp>
+        <p:nvSpPr>
+          <p:cNvPr id="61" name="TextBox 60"/>
+          <p:cNvSpPr txBox="1"/>
+          <p:nvPr/>
+        </p:nvSpPr>
+        <p:spPr>
+          <a:xfrm>
+            <a:off x="3080871" y="4398983"/>
+            <a:ext cx="1409360" cy="430887"/>
+          </a:xfrm>
+          <a:prstGeom prst="rect">
+            <a:avLst/>
+          </a:prstGeom>
+          <a:noFill/>
+        </p:spPr>
+        <p:txBody>
+          <a:bodyPr wrap="none" rtlCol="0">
+            <a:spAutoFit/>
+          </a:bodyPr>
+          <a:lstStyle/>
+          <a:p>
+            <a:r>
+              <a:rPr lang="en-US" sz="1100" b="1" dirty="0" smtClean="0"/>
+              <a:t>8. Get the data from </a:t>
+            </a:r>
+          </a:p>
+          <a:p>
+            <a:r>
+              <a:rPr lang="en-US" sz="1100" b="1" dirty="0" smtClean="0"/>
+              <a:t>Domain Service</a:t>
+            </a:r>
+            <a:endParaRPr lang="en-US" sz="1100" b="1" dirty="0"/>
+          </a:p>
+        </p:txBody>
+      </p:sp>
+      <p:sp>
+        <p:nvSpPr>
+          <p:cNvPr id="62" name="TextBox 61"/>
+          <p:cNvSpPr txBox="1"/>
+          <p:nvPr/>
+        </p:nvSpPr>
+        <p:spPr>
+          <a:xfrm>
+            <a:off x="3946866" y="3190938"/>
+            <a:ext cx="1875835" cy="430887"/>
+          </a:xfrm>
+          <a:prstGeom prst="rect">
+            <a:avLst/>
+          </a:prstGeom>
+          <a:noFill/>
+        </p:spPr>
+        <p:txBody>
+          <a:bodyPr wrap="none" rtlCol="0">
+            <a:spAutoFit/>
+          </a:bodyPr>
+          <a:lstStyle/>
+          <a:p>
+            <a:r>
+              <a:rPr lang="en-US" sz="1100" b="1" dirty="0" smtClean="0"/>
+              <a:t>10. Provides response based </a:t>
+            </a:r>
+          </a:p>
+          <a:p>
+            <a:r>
+              <a:rPr lang="en-US" sz="1100" b="1" dirty="0" smtClean="0"/>
+              <a:t>on scope of token.</a:t>
+            </a:r>
+            <a:endParaRPr lang="en-US" sz="1100" b="1" dirty="0"/>
+          </a:p>
+        </p:txBody>
+      </p:sp>
+      <p:sp>
+        <p:nvSpPr>
+          <p:cNvPr id="63" name="TextBox 62"/>
+          <p:cNvSpPr txBox="1"/>
+          <p:nvPr/>
+        </p:nvSpPr>
+        <p:spPr>
+          <a:xfrm>
+            <a:off x="3821812" y="1704173"/>
+            <a:ext cx="1539204" cy="430887"/>
+          </a:xfrm>
+          <a:prstGeom prst="rect">
+            <a:avLst/>
+          </a:prstGeom>
+          <a:noFill/>
+        </p:spPr>
+        <p:txBody>
+          <a:bodyPr wrap="none" rtlCol="0">
+            <a:spAutoFit/>
+          </a:bodyPr>
+          <a:lstStyle/>
+          <a:p>
+            <a:r>
+              <a:rPr lang="en-US" sz="1100" b="1" dirty="0" smtClean="0"/>
+              <a:t>11. Response returned </a:t>
+            </a:r>
+          </a:p>
+          <a:p>
+            <a:r>
+              <a:rPr lang="en-US" sz="1100" b="1" dirty="0" smtClean="0"/>
+              <a:t>to client</a:t>
+            </a:r>
+            <a:endParaRPr lang="en-US" sz="1100" b="1" dirty="0"/>
+          </a:p>
+        </p:txBody>
+      </p:sp>
+    </p:spTree>
+    <p:extLst>
+      <p:ext uri="{BB962C8B-B14F-4D97-AF65-F5344CB8AC3E}">
+        <p14:creationId xmlns:p14="http://schemas.microsoft.com/office/powerpoint/2010/main" val="676582139"/>
+      </p:ext>
+    </p:extLst>
+  </p:cSld>
+  <p:clrMapOvr>
+    <a:masterClrMapping/>
+  </p:clrMapOvr>
+</p:sld>
+</file>
+
 <file path=ppt/theme/theme1.xml><?xml version="1.0" encoding="utf-8"?>
 <a:theme xmlns:a="http://schemas.openxmlformats.org/drawingml/2006/main" name="Office Theme">
   <a:themeElements>
